--- a/study/ppt/[스터디]4.5.2다중공선성_KDH.pptx
+++ b/study/ppt/[스터디]4.5.2다중공선성_KDH.pptx
@@ -5,15 +5,16 @@
     <p:sldMasterId id="2147483648" r:id="rId1"/>
   </p:sldMasterIdLst>
   <p:notesMasterIdLst>
-    <p:notesMasterId r:id="rId8"/>
+    <p:notesMasterId r:id="rId9"/>
   </p:notesMasterIdLst>
   <p:sldIdLst>
     <p:sldId id="258" r:id="rId2"/>
-    <p:sldId id="259" r:id="rId3"/>
-    <p:sldId id="260" r:id="rId4"/>
-    <p:sldId id="261" r:id="rId5"/>
-    <p:sldId id="262" r:id="rId6"/>
-    <p:sldId id="263" r:id="rId7"/>
+    <p:sldId id="264" r:id="rId3"/>
+    <p:sldId id="259" r:id="rId4"/>
+    <p:sldId id="265" r:id="rId5"/>
+    <p:sldId id="260" r:id="rId6"/>
+    <p:sldId id="261" r:id="rId7"/>
+    <p:sldId id="262" r:id="rId8"/>
   </p:sldIdLst>
   <p:sldSz cx="9906000" cy="6858000" type="A4"/>
   <p:notesSz cx="6858000" cy="9144000"/>
@@ -312,7 +313,7 @@
       </p15:sldGuideLst>
     </p:ext>
     <p:ext uri="http://customooxmlschemas.google.com/">
-      <go:slidesCustomData xmlns:go="http://customooxmlschemas.google.com/" xmlns:p15="http://schemas.microsoft.com/office/powerpoint/2012/main" xmlns:p14="http://schemas.microsoft.com/office/powerpoint/2010/main" xmlns:com="http://schemas.openxmlformats.org/drawingml/2006/compatibility" xmlns:pvml="urn:schemas-microsoft-com:office:powerpoint" xmlns:v="urn:schemas-microsoft-com:vml" xmlns:o="urn:schemas-microsoft-com:office:office" xmlns:dgm="http://schemas.openxmlformats.org/drawingml/2006/diagram" xmlns:c="http://schemas.openxmlformats.org/drawingml/2006/chart" xmlns:mv="urn:schemas-microsoft-com:mac:vml" xmlns:mc="http://schemas.openxmlformats.org/markup-compatibility/2006" xmlns="" r:id="rId11" roundtripDataSignature="AMtx7mhva3UHPhQA4WbyUQCroSE+7w+SGg=="/>
+      <go:slidesCustomData xmlns="" xmlns:mc="http://schemas.openxmlformats.org/markup-compatibility/2006" xmlns:mv="urn:schemas-microsoft-com:mac:vml" xmlns:c="http://schemas.openxmlformats.org/drawingml/2006/chart" xmlns:dgm="http://schemas.openxmlformats.org/drawingml/2006/diagram" xmlns:o="urn:schemas-microsoft-com:office:office" xmlns:v="urn:schemas-microsoft-com:vml" xmlns:pvml="urn:schemas-microsoft-com:office:powerpoint" xmlns:com="http://schemas.openxmlformats.org/drawingml/2006/compatibility" xmlns:p14="http://schemas.microsoft.com/office/powerpoint/2010/main" xmlns:p15="http://schemas.microsoft.com/office/powerpoint/2012/main" xmlns:go="http://customooxmlschemas.google.com/" r:id="rId11" roundtripDataSignature="AMtx7mhva3UHPhQA4WbyUQCroSE+7w+SGg=="/>
     </p:ext>
   </p:extLst>
 </p:presentation>
@@ -1634,6 +1635,39 @@
               </a:rPr>
               <a:t>https://m.blog.naver.com/PostView.nhn?blogId=vnf3751&amp;logNo=220833952857&amp;proxyReferer=https:%2F%2Fwww.google.com%2F</a:t>
             </a:r>
+            <a:endParaRPr lang="en-US" altLang="ko-KR" dirty="0">
+              <a:highlight>
+                <a:srgbClr val="FFFF00"/>
+              </a:highlight>
+            </a:endParaRPr>
+          </a:p>
+          <a:p>
+            <a:pPr marL="0" lvl="0" indent="0" algn="l" rtl="0">
+              <a:lnSpc>
+                <a:spcPct val="100000"/>
+              </a:lnSpc>
+              <a:spcBef>
+                <a:spcPts val="0"/>
+              </a:spcBef>
+              <a:spcAft>
+                <a:spcPts val="0"/>
+              </a:spcAft>
+              <a:buClr>
+                <a:schemeClr val="dk1"/>
+              </a:buClr>
+              <a:buSzPts val="1200"/>
+              <a:buFont typeface="Noto Sans Symbols"/>
+              <a:buNone/>
+            </a:pPr>
+            <a:r>
+              <a:rPr lang="en-US" altLang="ko-KR" dirty="0">
+                <a:highlight>
+                  <a:srgbClr val="FFFF00"/>
+                </a:highlight>
+                <a:hlinkClick r:id="rId4"/>
+              </a:rPr>
+              <a:t>https://www.youtube.com/watch?v=7EiN3NVmbMo</a:t>
+            </a:r>
             <a:endParaRPr u="none" dirty="0">
               <a:highlight>
                 <a:srgbClr val="FFFF00"/>
@@ -1815,7 +1849,49 @@
               <a:buFont typeface="Noto Sans Symbols"/>
               <a:buNone/>
             </a:pPr>
-            <a:endParaRPr u="none" dirty="0">
+            <a:r>
+              <a:rPr lang="en-US" altLang="ko-KR" dirty="0">
+                <a:highlight>
+                  <a:srgbClr val="FFFF00"/>
+                </a:highlight>
+                <a:hlinkClick r:id="rId3"/>
+              </a:rPr>
+              <a:t>https://m.blog.naver.com/PostView.nhn?blogId=vnf3751&amp;logNo=220833952857&amp;proxyReferer=https:%2F%2Fwww.google.com%2F</a:t>
+            </a:r>
+            <a:endParaRPr lang="en-US" altLang="ko-KR" dirty="0">
+              <a:highlight>
+                <a:srgbClr val="FFFF00"/>
+              </a:highlight>
+            </a:endParaRPr>
+          </a:p>
+          <a:p>
+            <a:pPr marL="0" lvl="0" indent="0" algn="l" rtl="0">
+              <a:lnSpc>
+                <a:spcPct val="100000"/>
+              </a:lnSpc>
+              <a:spcBef>
+                <a:spcPts val="0"/>
+              </a:spcBef>
+              <a:spcAft>
+                <a:spcPts val="0"/>
+              </a:spcAft>
+              <a:buClr>
+                <a:schemeClr val="dk1"/>
+              </a:buClr>
+              <a:buSzPts val="1200"/>
+              <a:buFont typeface="Noto Sans Symbols"/>
+              <a:buNone/>
+            </a:pPr>
+            <a:r>
+              <a:rPr lang="en-US" altLang="ko-KR" dirty="0">
+                <a:highlight>
+                  <a:srgbClr val="FFFF00"/>
+                </a:highlight>
+                <a:hlinkClick r:id="rId4"/>
+              </a:rPr>
+              <a:t>https://www.youtube.com/watch?v=7EiN3NVmbMo</a:t>
+            </a:r>
+            <a:endParaRPr lang="en-US" u="none" dirty="0">
               <a:highlight>
                 <a:srgbClr val="FFFF00"/>
               </a:highlight>
@@ -1872,7 +1948,7 @@
     </p:spTree>
     <p:extLst>
       <p:ext uri="{BB962C8B-B14F-4D97-AF65-F5344CB8AC3E}">
-        <p14:creationId xmlns:p14="http://schemas.microsoft.com/office/powerpoint/2010/main" val="1581120227"/>
+        <p14:creationId xmlns:p14="http://schemas.microsoft.com/office/powerpoint/2010/main" val="1522447630"/>
       </p:ext>
     </p:extLst>
   </p:cSld>
@@ -2053,7 +2129,7 @@
     </p:spTree>
     <p:extLst>
       <p:ext uri="{BB962C8B-B14F-4D97-AF65-F5344CB8AC3E}">
-        <p14:creationId xmlns:p14="http://schemas.microsoft.com/office/powerpoint/2010/main" val="185483169"/>
+        <p14:creationId xmlns:p14="http://schemas.microsoft.com/office/powerpoint/2010/main" val="1581120227"/>
       </p:ext>
     </p:extLst>
   </p:cSld>
@@ -2234,7 +2310,7 @@
     </p:spTree>
     <p:extLst>
       <p:ext uri="{BB962C8B-B14F-4D97-AF65-F5344CB8AC3E}">
-        <p14:creationId xmlns:p14="http://schemas.microsoft.com/office/powerpoint/2010/main" val="1515404835"/>
+        <p14:creationId xmlns:p14="http://schemas.microsoft.com/office/powerpoint/2010/main" val="1956988991"/>
       </p:ext>
     </p:extLst>
   </p:cSld>
@@ -2358,6 +2434,31 @@
               <a:buFont typeface="Noto Sans Symbols"/>
               <a:buNone/>
             </a:pPr>
+            <a:r>
+              <a:rPr lang="ko-KR" altLang="en-US" u="none" dirty="0">
+                <a:highlight>
+                  <a:srgbClr val="FFFF00"/>
+                </a:highlight>
+              </a:rPr>
+              <a:t>조절효과 </a:t>
+            </a:r>
+            <a:r>
+              <a:rPr lang="en-US" altLang="ko-KR" u="none" dirty="0">
+                <a:highlight>
+                  <a:srgbClr val="FFFF00"/>
+                </a:highlight>
+              </a:rPr>
+              <a:t>: </a:t>
+            </a:r>
+            <a:r>
+              <a:rPr lang="en-US" altLang="ko-KR" dirty="0">
+                <a:highlight>
+                  <a:srgbClr val="FFFF00"/>
+                </a:highlight>
+                <a:hlinkClick r:id="rId3"/>
+              </a:rPr>
+              <a:t>https://blog.naver.com/PostView.nhn?blogId=shoutjoy&amp;logNo=221834723248</a:t>
+            </a:r>
             <a:endParaRPr u="none" dirty="0">
               <a:highlight>
                 <a:srgbClr val="FFFF00"/>
@@ -2415,7 +2516,7 @@
     </p:spTree>
     <p:extLst>
       <p:ext uri="{BB962C8B-B14F-4D97-AF65-F5344CB8AC3E}">
-        <p14:creationId xmlns:p14="http://schemas.microsoft.com/office/powerpoint/2010/main" val="2279305368"/>
+        <p14:creationId xmlns:p14="http://schemas.microsoft.com/office/powerpoint/2010/main" val="185483169"/>
       </p:ext>
     </p:extLst>
   </p:cSld>
@@ -2596,7 +2697,188 @@
     </p:spTree>
     <p:extLst>
       <p:ext uri="{BB962C8B-B14F-4D97-AF65-F5344CB8AC3E}">
-        <p14:creationId xmlns:p14="http://schemas.microsoft.com/office/powerpoint/2010/main" val="2120667200"/>
+        <p14:creationId xmlns:p14="http://schemas.microsoft.com/office/powerpoint/2010/main" val="1515404835"/>
+      </p:ext>
+    </p:extLst>
+  </p:cSld>
+  <p:clrMapOvr>
+    <a:masterClrMapping/>
+  </p:clrMapOvr>
+</p:notes>
+</file>
+
+<file path=ppt/notesSlides/notesSlide7.xml><?xml version="1.0" encoding="utf-8"?>
+<p:notes xmlns:a="http://schemas.openxmlformats.org/drawingml/2006/main" xmlns:r="http://schemas.openxmlformats.org/officeDocument/2006/relationships" xmlns:p="http://schemas.openxmlformats.org/presentationml/2006/main" showMasterSp="0" showMasterPhAnim="0">
+  <p:cSld>
+    <p:spTree>
+      <p:nvGrpSpPr>
+        <p:cNvPr id="1" name="Shape 24"/>
+        <p:cNvGrpSpPr/>
+        <p:nvPr/>
+      </p:nvGrpSpPr>
+      <p:grpSpPr>
+        <a:xfrm>
+          <a:off x="0" y="0"/>
+          <a:ext cx="0" cy="0"/>
+          <a:chOff x="0" y="0"/>
+          <a:chExt cx="0" cy="0"/>
+        </a:xfrm>
+      </p:grpSpPr>
+      <p:sp>
+        <p:nvSpPr>
+          <p:cNvPr id="25" name="Google Shape;25;p2:notes"/>
+          <p:cNvSpPr>
+            <a:spLocks noGrp="1" noRot="1" noChangeAspect="1"/>
+          </p:cNvSpPr>
+          <p:nvPr>
+            <p:ph type="sldImg" idx="2"/>
+          </p:nvPr>
+        </p:nvSpPr>
+        <p:spPr>
+          <a:xfrm>
+            <a:off x="1200150" y="1143000"/>
+            <a:ext cx="4457700" cy="3086100"/>
+          </a:xfrm>
+          <a:custGeom>
+            <a:avLst/>
+            <a:gdLst/>
+            <a:ahLst/>
+            <a:cxnLst/>
+            <a:rect l="l" t="t" r="r" b="b"/>
+            <a:pathLst>
+              <a:path w="120000" h="120000" extrusionOk="0">
+                <a:moveTo>
+                  <a:pt x="0" y="0"/>
+                </a:moveTo>
+                <a:lnTo>
+                  <a:pt x="120000" y="0"/>
+                </a:lnTo>
+                <a:lnTo>
+                  <a:pt x="120000" y="120000"/>
+                </a:lnTo>
+                <a:lnTo>
+                  <a:pt x="0" y="120000"/>
+                </a:lnTo>
+                <a:close/>
+              </a:path>
+            </a:pathLst>
+          </a:custGeom>
+          <a:noFill/>
+          <a:ln w="12700" cap="flat" cmpd="sng">
+            <a:solidFill>
+              <a:srgbClr val="000000"/>
+            </a:solidFill>
+            <a:prstDash val="solid"/>
+            <a:round/>
+            <a:headEnd type="none" w="sm" len="sm"/>
+            <a:tailEnd type="none" w="sm" len="sm"/>
+          </a:ln>
+        </p:spPr>
+      </p:sp>
+      <p:sp>
+        <p:nvSpPr>
+          <p:cNvPr id="26" name="Google Shape;26;p2:notes"/>
+          <p:cNvSpPr txBox="1">
+            <a:spLocks noGrp="1"/>
+          </p:cNvSpPr>
+          <p:nvPr>
+            <p:ph type="body" idx="1"/>
+          </p:nvPr>
+        </p:nvSpPr>
+        <p:spPr>
+          <a:xfrm>
+            <a:off x="685800" y="4400550"/>
+            <a:ext cx="5486400" cy="3600450"/>
+          </a:xfrm>
+          <a:prstGeom prst="rect">
+            <a:avLst/>
+          </a:prstGeom>
+          <a:noFill/>
+          <a:ln>
+            <a:noFill/>
+          </a:ln>
+        </p:spPr>
+        <p:txBody>
+          <a:bodyPr spcFirstLastPara="1" wrap="square" lIns="91425" tIns="45700" rIns="91425" bIns="45700" anchor="t" anchorCtr="0">
+            <a:noAutofit/>
+          </a:bodyPr>
+          <a:lstStyle/>
+          <a:p>
+            <a:pPr marL="0" lvl="0" indent="0" algn="l" rtl="0">
+              <a:lnSpc>
+                <a:spcPct val="100000"/>
+              </a:lnSpc>
+              <a:spcBef>
+                <a:spcPts val="0"/>
+              </a:spcBef>
+              <a:spcAft>
+                <a:spcPts val="0"/>
+              </a:spcAft>
+              <a:buClr>
+                <a:schemeClr val="dk1"/>
+              </a:buClr>
+              <a:buSzPts val="1200"/>
+              <a:buFont typeface="Noto Sans Symbols"/>
+              <a:buNone/>
+            </a:pPr>
+            <a:endParaRPr u="none" dirty="0">
+              <a:highlight>
+                <a:srgbClr val="FFFF00"/>
+              </a:highlight>
+            </a:endParaRPr>
+          </a:p>
+        </p:txBody>
+      </p:sp>
+      <p:sp>
+        <p:nvSpPr>
+          <p:cNvPr id="27" name="Google Shape;27;p2:notes"/>
+          <p:cNvSpPr txBox="1">
+            <a:spLocks noGrp="1"/>
+          </p:cNvSpPr>
+          <p:nvPr>
+            <p:ph type="sldNum" idx="12"/>
+          </p:nvPr>
+        </p:nvSpPr>
+        <p:spPr>
+          <a:xfrm>
+            <a:off x="3884613" y="8685213"/>
+            <a:ext cx="2971800" cy="458787"/>
+          </a:xfrm>
+          <a:prstGeom prst="rect">
+            <a:avLst/>
+          </a:prstGeom>
+          <a:noFill/>
+          <a:ln>
+            <a:noFill/>
+          </a:ln>
+        </p:spPr>
+        <p:txBody>
+          <a:bodyPr spcFirstLastPara="1" wrap="square" lIns="91425" tIns="45700" rIns="91425" bIns="45700" anchor="b" anchorCtr="0">
+            <a:noAutofit/>
+          </a:bodyPr>
+          <a:lstStyle/>
+          <a:p>
+            <a:pPr marL="0" lvl="0" indent="0" algn="r" rtl="0">
+              <a:spcBef>
+                <a:spcPts val="0"/>
+              </a:spcBef>
+              <a:spcAft>
+                <a:spcPts val="0"/>
+              </a:spcAft>
+              <a:buNone/>
+            </a:pPr>
+            <a:fld id="{00000000-1234-1234-1234-123412341234}" type="slidenum">
+              <a:rPr lang="en-US" altLang="ko-KR"/>
+              <a:t>7</a:t>
+            </a:fld>
+            <a:endParaRPr/>
+          </a:p>
+        </p:txBody>
+      </p:sp>
+    </p:spTree>
+    <p:extLst>
+      <p:ext uri="{BB962C8B-B14F-4D97-AF65-F5344CB8AC3E}">
+        <p14:creationId xmlns:p14="http://schemas.microsoft.com/office/powerpoint/2010/main" val="2279305368"/>
       </p:ext>
     </p:extLst>
   </p:cSld>
@@ -4836,10 +5118,10 @@
       </p:sp>
       <p:pic>
         <p:nvPicPr>
-          <p:cNvPr id="2" name="그림 1">
+          <p:cNvPr id="3" name="그림 2">
             <a:extLst>
               <a:ext uri="{FF2B5EF4-FFF2-40B4-BE49-F238E27FC236}">
-                <a16:creationId xmlns:a16="http://schemas.microsoft.com/office/drawing/2014/main" id="{0DF1CAA7-E8D5-466D-8AF9-48701B3261AA}"/>
+                <a16:creationId xmlns:a16="http://schemas.microsoft.com/office/drawing/2014/main" id="{57957620-293F-466D-91F1-3F4242DE7F7F}"/>
               </a:ext>
             </a:extLst>
           </p:cNvPr>
@@ -4848,22 +5130,83 @@
           </p:cNvPicPr>
           <p:nvPr/>
         </p:nvPicPr>
-        <p:blipFill>
+        <p:blipFill rotWithShape="1">
           <a:blip r:embed="rId3"/>
-          <a:stretch>
-            <a:fillRect/>
-          </a:stretch>
+          <a:srcRect l="5058" t="49860" r="28809"/>
+          <a:stretch/>
         </p:blipFill>
         <p:spPr>
           <a:xfrm>
-            <a:off x="0" y="1307530"/>
-            <a:ext cx="9906000" cy="4242939"/>
+            <a:off x="508067" y="2633177"/>
+            <a:ext cx="8515387" cy="3662924"/>
           </a:xfrm>
           <a:prstGeom prst="rect">
             <a:avLst/>
           </a:prstGeom>
         </p:spPr>
       </p:pic>
+      <p:sp>
+        <p:nvSpPr>
+          <p:cNvPr id="4" name="사각형: 둥근 모서리 3">
+            <a:extLst>
+              <a:ext uri="{FF2B5EF4-FFF2-40B4-BE49-F238E27FC236}">
+                <a16:creationId xmlns:a16="http://schemas.microsoft.com/office/drawing/2014/main" id="{443AE09A-C6DC-4B58-8544-3180446FB413}"/>
+              </a:ext>
+            </a:extLst>
+          </p:cNvPr>
+          <p:cNvSpPr/>
+          <p:nvPr/>
+        </p:nvSpPr>
+        <p:spPr>
+          <a:xfrm>
+            <a:off x="278116" y="1508877"/>
+            <a:ext cx="8975290" cy="695863"/>
+          </a:xfrm>
+          <a:prstGeom prst="roundRect">
+            <a:avLst/>
+          </a:prstGeom>
+          <a:solidFill>
+            <a:schemeClr val="accent4">
+              <a:lumMod val="40000"/>
+              <a:lumOff val="60000"/>
+            </a:schemeClr>
+          </a:solidFill>
+          <a:ln>
+            <a:noFill/>
+          </a:ln>
+        </p:spPr>
+        <p:style>
+          <a:lnRef idx="2">
+            <a:schemeClr val="accent1">
+              <a:shade val="50000"/>
+            </a:schemeClr>
+          </a:lnRef>
+          <a:fillRef idx="1">
+            <a:schemeClr val="accent1"/>
+          </a:fillRef>
+          <a:effectRef idx="0">
+            <a:schemeClr val="accent1"/>
+          </a:effectRef>
+          <a:fontRef idx="minor">
+            <a:schemeClr val="lt1"/>
+          </a:fontRef>
+        </p:style>
+        <p:txBody>
+          <a:bodyPr rtlCol="0" anchor="ctr"/>
+          <a:lstStyle/>
+          <a:p>
+            <a:pPr algn="ctr"/>
+            <a:r>
+              <a:rPr lang="ko-KR" altLang="en-US" sz="2000" b="1" dirty="0">
+                <a:solidFill>
+                  <a:schemeClr val="tx1"/>
+                </a:solidFill>
+              </a:rPr>
+              <a:t>상관관계가 매우 높은 독립변수들이 동시에 모델에 포함될 때 발생</a:t>
+            </a:r>
+          </a:p>
+        </p:txBody>
+      </p:sp>
     </p:spTree>
     <p:extLst>
       <p:ext uri="{BB962C8B-B14F-4D97-AF65-F5344CB8AC3E}">
@@ -5006,40 +5349,374 @@
           </a:p>
         </p:txBody>
       </p:sp>
-      <p:pic>
-        <p:nvPicPr>
-          <p:cNvPr id="5" name="그림 4">
+      <p:sp>
+        <p:nvSpPr>
+          <p:cNvPr id="8" name="TextBox 7">
             <a:extLst>
               <a:ext uri="{FF2B5EF4-FFF2-40B4-BE49-F238E27FC236}">
-                <a16:creationId xmlns:a16="http://schemas.microsoft.com/office/drawing/2014/main" id="{1EC3844B-9170-40AC-AC6D-B3AC99CB0FF5}"/>
+                <a16:creationId xmlns:a16="http://schemas.microsoft.com/office/drawing/2014/main" id="{53CACBD9-B236-4E1B-9525-3B3376922A2B}"/>
               </a:ext>
             </a:extLst>
           </p:cNvPr>
-          <p:cNvPicPr>
-            <a:picLocks noChangeAspect="1"/>
-          </p:cNvPicPr>
+          <p:cNvSpPr txBox="1"/>
           <p:nvPr/>
-        </p:nvPicPr>
-        <p:blipFill>
-          <a:blip r:embed="rId3"/>
-          <a:stretch>
-            <a:fillRect/>
-          </a:stretch>
-        </p:blipFill>
+        </p:nvSpPr>
         <p:spPr>
           <a:xfrm>
-            <a:off x="99335" y="1342734"/>
-            <a:ext cx="9707330" cy="4172532"/>
+            <a:off x="0" y="838481"/>
+            <a:ext cx="9906000" cy="2123658"/>
           </a:xfrm>
           <a:prstGeom prst="rect">
             <a:avLst/>
           </a:prstGeom>
+          <a:noFill/>
         </p:spPr>
-      </p:pic>
+        <p:txBody>
+          <a:bodyPr wrap="square" rtlCol="0">
+            <a:spAutoFit/>
+          </a:bodyPr>
+          <a:lstStyle/>
+          <a:p>
+            <a:pPr marL="342900" indent="-342900">
+              <a:buFont typeface="Arial" panose="020B0604020202020204" pitchFamily="34" charset="0"/>
+              <a:buChar char="•"/>
+            </a:pPr>
+            <a:endParaRPr lang="en-US" altLang="ko-KR" sz="3200" b="1" dirty="0"/>
+          </a:p>
+          <a:p>
+            <a:endParaRPr lang="en-US" altLang="ko-KR" sz="2000" b="1" dirty="0"/>
+          </a:p>
+          <a:p>
+            <a:endParaRPr lang="en-US" altLang="ko-KR" sz="2000" b="1" dirty="0"/>
+          </a:p>
+          <a:p>
+            <a:endParaRPr lang="en-US" altLang="ko-KR" sz="2000" b="1" dirty="0"/>
+          </a:p>
+          <a:p>
+            <a:endParaRPr lang="en-US" altLang="ko-KR" sz="2000" b="1" dirty="0"/>
+          </a:p>
+          <a:p>
+            <a:endParaRPr lang="ko-KR" altLang="en-US" sz="2000" b="1" dirty="0"/>
+          </a:p>
+        </p:txBody>
+      </p:sp>
+      <p:sp>
+        <p:nvSpPr>
+          <p:cNvPr id="5" name="사각형: 둥근 모서리 4">
+            <a:extLst>
+              <a:ext uri="{FF2B5EF4-FFF2-40B4-BE49-F238E27FC236}">
+                <a16:creationId xmlns:a16="http://schemas.microsoft.com/office/drawing/2014/main" id="{6AD5E9C5-3F7B-49AC-9A25-D15E0066408C}"/>
+              </a:ext>
+            </a:extLst>
+          </p:cNvPr>
+          <p:cNvSpPr/>
+          <p:nvPr/>
+        </p:nvSpPr>
+        <p:spPr>
+          <a:xfrm>
+            <a:off x="278116" y="1328768"/>
+            <a:ext cx="9349768" cy="4335614"/>
+          </a:xfrm>
+          <a:prstGeom prst="roundRect">
+            <a:avLst/>
+          </a:prstGeom>
+          <a:solidFill>
+            <a:schemeClr val="accent4">
+              <a:lumMod val="40000"/>
+              <a:lumOff val="60000"/>
+            </a:schemeClr>
+          </a:solidFill>
+          <a:ln>
+            <a:noFill/>
+          </a:ln>
+        </p:spPr>
+        <p:style>
+          <a:lnRef idx="2">
+            <a:schemeClr val="accent1">
+              <a:shade val="50000"/>
+            </a:schemeClr>
+          </a:lnRef>
+          <a:fillRef idx="1">
+            <a:schemeClr val="accent1"/>
+          </a:fillRef>
+          <a:effectRef idx="0">
+            <a:schemeClr val="accent1"/>
+          </a:effectRef>
+          <a:fontRef idx="minor">
+            <a:schemeClr val="lt1"/>
+          </a:fontRef>
+        </p:style>
+        <p:txBody>
+          <a:bodyPr rtlCol="0" anchor="ctr"/>
+          <a:lstStyle/>
+          <a:p>
+            <a:pPr algn="just">
+              <a:lnSpc>
+                <a:spcPct val="150000"/>
+              </a:lnSpc>
+            </a:pPr>
+            <a:r>
+              <a:rPr lang="ko-KR" altLang="en-US" sz="2000" b="1" dirty="0">
+                <a:solidFill>
+                  <a:schemeClr val="tx1"/>
+                </a:solidFill>
+              </a:rPr>
+              <a:t>완벽한 </a:t>
+            </a:r>
+            <a:r>
+              <a:rPr lang="ko-KR" altLang="en-US" sz="2000" b="1" dirty="0" err="1">
+                <a:solidFill>
+                  <a:schemeClr val="tx1"/>
+                </a:solidFill>
+              </a:rPr>
+              <a:t>다중공선성</a:t>
+            </a:r>
+            <a:r>
+              <a:rPr lang="ko-KR" altLang="en-US" sz="2000" b="1" dirty="0">
+                <a:solidFill>
+                  <a:schemeClr val="tx1"/>
+                </a:solidFill>
+              </a:rPr>
+              <a:t> </a:t>
+            </a:r>
+            <a:r>
+              <a:rPr lang="en-US" altLang="ko-KR" sz="2000" b="1" dirty="0">
+                <a:solidFill>
+                  <a:schemeClr val="tx1"/>
+                </a:solidFill>
+              </a:rPr>
+              <a:t>-&gt; </a:t>
+            </a:r>
+            <a:r>
+              <a:rPr lang="ko-KR" altLang="en-US" sz="2000" b="1" dirty="0">
+                <a:solidFill>
+                  <a:schemeClr val="tx1"/>
+                </a:solidFill>
+              </a:rPr>
+              <a:t>같은 변수를 두 번 넣은 것 </a:t>
+            </a:r>
+            <a:r>
+              <a:rPr lang="en-US" altLang="ko-KR" sz="2000" b="1" dirty="0">
+                <a:solidFill>
+                  <a:schemeClr val="tx1"/>
+                </a:solidFill>
+              </a:rPr>
+              <a:t>-&gt; </a:t>
+            </a:r>
+            <a:r>
+              <a:rPr lang="ko-KR" altLang="en-US" sz="2000" b="1" dirty="0" err="1">
+                <a:solidFill>
+                  <a:schemeClr val="tx1"/>
+                </a:solidFill>
+              </a:rPr>
+              <a:t>최소제곱법</a:t>
+            </a:r>
+            <a:r>
+              <a:rPr lang="ko-KR" altLang="en-US" sz="2000" b="1" dirty="0">
+                <a:solidFill>
+                  <a:schemeClr val="tx1"/>
+                </a:solidFill>
+              </a:rPr>
+              <a:t> 계산상 어려움</a:t>
+            </a:r>
+            <a:endParaRPr lang="en-US" altLang="ko-KR" sz="2000" b="1" dirty="0">
+              <a:solidFill>
+                <a:schemeClr val="tx1"/>
+              </a:solidFill>
+            </a:endParaRPr>
+          </a:p>
+          <a:p>
+            <a:pPr algn="just">
+              <a:lnSpc>
+                <a:spcPct val="150000"/>
+              </a:lnSpc>
+            </a:pPr>
+            <a:r>
+              <a:rPr lang="ko-KR" altLang="en-US" sz="2000" b="1" dirty="0">
+                <a:solidFill>
+                  <a:schemeClr val="tx1"/>
+                </a:solidFill>
+              </a:rPr>
+              <a:t>완벽한 </a:t>
+            </a:r>
+            <a:r>
+              <a:rPr lang="ko-KR" altLang="en-US" sz="2000" b="1" dirty="0" err="1">
+                <a:solidFill>
+                  <a:schemeClr val="tx1"/>
+                </a:solidFill>
+              </a:rPr>
+              <a:t>다중공선성이</a:t>
+            </a:r>
+            <a:r>
+              <a:rPr lang="ko-KR" altLang="en-US" sz="2000" b="1" dirty="0">
+                <a:solidFill>
+                  <a:schemeClr val="tx1"/>
+                </a:solidFill>
+              </a:rPr>
+              <a:t> 아니라면</a:t>
+            </a:r>
+            <a:r>
+              <a:rPr lang="en-US" altLang="ko-KR" sz="2000" b="1" dirty="0">
+                <a:solidFill>
+                  <a:schemeClr val="tx1"/>
+                </a:solidFill>
+              </a:rPr>
+              <a:t>?</a:t>
+            </a:r>
+          </a:p>
+          <a:p>
+            <a:pPr marL="342900" indent="-342900" algn="just">
+              <a:lnSpc>
+                <a:spcPct val="150000"/>
+              </a:lnSpc>
+              <a:buFont typeface="Arial" panose="020B0604020202020204" pitchFamily="34" charset="0"/>
+              <a:buChar char="•"/>
+            </a:pPr>
+            <a:r>
+              <a:rPr lang="ko-KR" altLang="en-US" sz="2000" dirty="0">
+                <a:solidFill>
+                  <a:schemeClr val="tx1"/>
+                </a:solidFill>
+              </a:rPr>
+              <a:t>회귀계수의 표준오차가 비정상적으로 커짐</a:t>
+            </a:r>
+            <a:endParaRPr lang="en-US" altLang="ko-KR" sz="2000" dirty="0">
+              <a:solidFill>
+                <a:schemeClr val="tx1"/>
+              </a:solidFill>
+            </a:endParaRPr>
+          </a:p>
+          <a:p>
+            <a:pPr marL="342900" indent="-342900" algn="just">
+              <a:lnSpc>
+                <a:spcPct val="150000"/>
+              </a:lnSpc>
+              <a:buFont typeface="Arial" panose="020B0604020202020204" pitchFamily="34" charset="0"/>
+              <a:buChar char="•"/>
+            </a:pPr>
+            <a:r>
+              <a:rPr lang="ko-KR" altLang="en-US" sz="2000" dirty="0">
+                <a:solidFill>
+                  <a:schemeClr val="tx1"/>
+                </a:solidFill>
+              </a:rPr>
+              <a:t>회귀계수의 유의성은 </a:t>
+            </a:r>
+            <a:r>
+              <a:rPr lang="en-US" altLang="ko-KR" sz="2000" dirty="0">
+                <a:solidFill>
+                  <a:schemeClr val="tx1"/>
+                </a:solidFill>
+              </a:rPr>
+              <a:t>t-</a:t>
+            </a:r>
+            <a:r>
+              <a:rPr lang="ko-KR" altLang="en-US" sz="2000" dirty="0">
+                <a:solidFill>
+                  <a:schemeClr val="tx1"/>
+                </a:solidFill>
+              </a:rPr>
+              <a:t>값에 의해 결정</a:t>
+            </a:r>
+            <a:endParaRPr lang="en-US" altLang="ko-KR" sz="2000" dirty="0">
+              <a:solidFill>
+                <a:schemeClr val="tx1"/>
+              </a:solidFill>
+            </a:endParaRPr>
+          </a:p>
+          <a:p>
+            <a:pPr marL="342900" indent="-342900" algn="just">
+              <a:lnSpc>
+                <a:spcPct val="150000"/>
+              </a:lnSpc>
+              <a:buFont typeface="Arial" panose="020B0604020202020204" pitchFamily="34" charset="0"/>
+              <a:buChar char="•"/>
+            </a:pPr>
+            <a:r>
+              <a:rPr lang="en-US" altLang="ko-KR" sz="2000" dirty="0">
+                <a:solidFill>
+                  <a:schemeClr val="tx1"/>
+                </a:solidFill>
+              </a:rPr>
+              <a:t>t-</a:t>
+            </a:r>
+            <a:r>
+              <a:rPr lang="ko-KR" altLang="en-US" sz="2000" dirty="0">
+                <a:solidFill>
+                  <a:schemeClr val="tx1"/>
+                </a:solidFill>
+              </a:rPr>
+              <a:t>값은 회귀계수를 표준오차로 나누어서 계산됨</a:t>
+            </a:r>
+            <a:endParaRPr lang="en-US" altLang="ko-KR" sz="2000" dirty="0">
+              <a:solidFill>
+                <a:schemeClr val="tx1"/>
+              </a:solidFill>
+            </a:endParaRPr>
+          </a:p>
+          <a:p>
+            <a:pPr marL="342900" indent="-342900" algn="just">
+              <a:lnSpc>
+                <a:spcPct val="150000"/>
+              </a:lnSpc>
+              <a:buFont typeface="Arial" panose="020B0604020202020204" pitchFamily="34" charset="0"/>
+              <a:buChar char="•"/>
+            </a:pPr>
+            <a:r>
+              <a:rPr lang="ko-KR" altLang="en-US" sz="2000" dirty="0">
+                <a:solidFill>
+                  <a:schemeClr val="tx1"/>
+                </a:solidFill>
+              </a:rPr>
+              <a:t>표준오차가 비정상적으로 커지면 </a:t>
+            </a:r>
+            <a:r>
+              <a:rPr lang="en-US" altLang="ko-KR" sz="2000" dirty="0">
+                <a:solidFill>
+                  <a:schemeClr val="tx1"/>
+                </a:solidFill>
+              </a:rPr>
+              <a:t>t-</a:t>
+            </a:r>
+            <a:r>
+              <a:rPr lang="ko-KR" altLang="en-US" sz="2000" dirty="0">
+                <a:solidFill>
+                  <a:schemeClr val="tx1"/>
+                </a:solidFill>
+              </a:rPr>
+              <a:t>값이 작아져서 유의해야할 변수가 유의하지 않게 됨</a:t>
+            </a:r>
+            <a:r>
+              <a:rPr lang="en-US" altLang="ko-KR" sz="2000" dirty="0">
+                <a:solidFill>
+                  <a:schemeClr val="tx1"/>
+                </a:solidFill>
+              </a:rPr>
+              <a:t>(p</a:t>
+            </a:r>
+            <a:r>
+              <a:rPr lang="ko-KR" altLang="en-US" sz="2000" dirty="0">
+                <a:solidFill>
+                  <a:schemeClr val="tx1"/>
+                </a:solidFill>
+              </a:rPr>
+              <a:t>값이 커짐</a:t>
+            </a:r>
+            <a:r>
+              <a:rPr lang="en-US" altLang="ko-KR" sz="2000" dirty="0">
+                <a:solidFill>
+                  <a:schemeClr val="tx1"/>
+                </a:solidFill>
+              </a:rPr>
+              <a:t>)</a:t>
+            </a:r>
+          </a:p>
+        </p:txBody>
+      </p:sp>
     </p:spTree>
     <p:extLst>
       <p:ext uri="{BB962C8B-B14F-4D97-AF65-F5344CB8AC3E}">
-        <p14:creationId xmlns:p14="http://schemas.microsoft.com/office/powerpoint/2010/main" val="3639560424"/>
+        <p14:creationId xmlns:p14="http://schemas.microsoft.com/office/powerpoint/2010/main" val="291256027"/>
       </p:ext>
     </p:extLst>
   </p:cSld>
@@ -5178,40 +5855,373 @@
           </a:p>
         </p:txBody>
       </p:sp>
-      <p:pic>
-        <p:nvPicPr>
-          <p:cNvPr id="2" name="그림 1">
+      <p:sp>
+        <p:nvSpPr>
+          <p:cNvPr id="6" name="사각형: 둥근 모서리 5">
             <a:extLst>
               <a:ext uri="{FF2B5EF4-FFF2-40B4-BE49-F238E27FC236}">
-                <a16:creationId xmlns:a16="http://schemas.microsoft.com/office/drawing/2014/main" id="{02D443C1-0285-4F00-A629-18EA9DDC8E03}"/>
+                <a16:creationId xmlns:a16="http://schemas.microsoft.com/office/drawing/2014/main" id="{FB67ED6B-37D4-47CE-AAAA-0395BCFFE761}"/>
               </a:ext>
             </a:extLst>
           </p:cNvPr>
-          <p:cNvPicPr>
-            <a:picLocks noChangeAspect="1"/>
-          </p:cNvPicPr>
+          <p:cNvSpPr/>
           <p:nvPr/>
-        </p:nvPicPr>
-        <p:blipFill>
-          <a:blip r:embed="rId3"/>
-          <a:stretch>
-            <a:fillRect/>
-          </a:stretch>
-        </p:blipFill>
+        </p:nvSpPr>
         <p:spPr>
           <a:xfrm>
-            <a:off x="0" y="1289304"/>
-            <a:ext cx="9906000" cy="4279392"/>
+            <a:off x="278116" y="1374732"/>
+            <a:ext cx="9349768" cy="4409161"/>
           </a:xfrm>
-          <a:prstGeom prst="rect">
+          <a:prstGeom prst="roundRect">
             <a:avLst/>
           </a:prstGeom>
+          <a:solidFill>
+            <a:schemeClr val="accent4">
+              <a:lumMod val="40000"/>
+              <a:lumOff val="60000"/>
+            </a:schemeClr>
+          </a:solidFill>
+          <a:ln>
+            <a:noFill/>
+          </a:ln>
         </p:spPr>
-      </p:pic>
+        <p:style>
+          <a:lnRef idx="2">
+            <a:schemeClr val="accent1">
+              <a:shade val="50000"/>
+            </a:schemeClr>
+          </a:lnRef>
+          <a:fillRef idx="1">
+            <a:schemeClr val="accent1"/>
+          </a:fillRef>
+          <a:effectRef idx="0">
+            <a:schemeClr val="accent1"/>
+          </a:effectRef>
+          <a:fontRef idx="minor">
+            <a:schemeClr val="lt1"/>
+          </a:fontRef>
+        </p:style>
+        <p:txBody>
+          <a:bodyPr rtlCol="0" anchor="ctr"/>
+          <a:lstStyle/>
+          <a:p>
+            <a:pPr algn="just">
+              <a:lnSpc>
+                <a:spcPct val="150000"/>
+              </a:lnSpc>
+            </a:pPr>
+            <a:r>
+              <a:rPr lang="ko-KR" altLang="en-US" sz="2400" b="1" dirty="0" err="1">
+                <a:solidFill>
+                  <a:schemeClr val="tx1"/>
+                </a:solidFill>
+              </a:rPr>
+              <a:t>다중공선성을</a:t>
+            </a:r>
+            <a:r>
+              <a:rPr lang="ko-KR" altLang="en-US" sz="2400" b="1" dirty="0">
+                <a:solidFill>
+                  <a:schemeClr val="tx1"/>
+                </a:solidFill>
+              </a:rPr>
+              <a:t> 어떻게  찾아 내는가</a:t>
+            </a:r>
+            <a:r>
+              <a:rPr lang="en-US" altLang="ko-KR" sz="2400" b="1" dirty="0">
+                <a:solidFill>
+                  <a:schemeClr val="tx1"/>
+                </a:solidFill>
+              </a:rPr>
+              <a:t>?</a:t>
+            </a:r>
+          </a:p>
+          <a:p>
+            <a:pPr marL="457200" indent="-457200" algn="just">
+              <a:lnSpc>
+                <a:spcPct val="150000"/>
+              </a:lnSpc>
+              <a:buFont typeface="+mj-lt"/>
+              <a:buAutoNum type="arabicPeriod"/>
+            </a:pPr>
+            <a:r>
+              <a:rPr lang="ko-KR" altLang="en-US" sz="2000" b="1" dirty="0">
+                <a:solidFill>
+                  <a:schemeClr val="tx1"/>
+                </a:solidFill>
+              </a:rPr>
+              <a:t>산포도 </a:t>
+            </a:r>
+            <a:r>
+              <a:rPr lang="en-US" altLang="ko-KR" sz="2000" b="1" dirty="0">
+                <a:solidFill>
+                  <a:schemeClr val="tx1"/>
+                </a:solidFill>
+              </a:rPr>
+              <a:t>&amp; </a:t>
+            </a:r>
+            <a:r>
+              <a:rPr lang="ko-KR" altLang="en-US" sz="2000" b="1" dirty="0">
+                <a:solidFill>
+                  <a:schemeClr val="tx1"/>
+                </a:solidFill>
+              </a:rPr>
+              <a:t>상관계수</a:t>
+            </a:r>
+            <a:endParaRPr lang="en-US" altLang="ko-KR" sz="2000" b="1" dirty="0">
+              <a:solidFill>
+                <a:schemeClr val="tx1"/>
+              </a:solidFill>
+            </a:endParaRPr>
+          </a:p>
+          <a:p>
+            <a:pPr marL="342900" lvl="4" indent="-342900" algn="just">
+              <a:lnSpc>
+                <a:spcPct val="150000"/>
+              </a:lnSpc>
+              <a:buFont typeface="Arial" panose="020B0604020202020204" pitchFamily="34" charset="0"/>
+              <a:buChar char="•"/>
+            </a:pPr>
+            <a:r>
+              <a:rPr lang="ko-KR" altLang="en-US" sz="2000" dirty="0">
+                <a:solidFill>
+                  <a:schemeClr val="tx1"/>
+                </a:solidFill>
+              </a:rPr>
+              <a:t>상관계수가 </a:t>
+            </a:r>
+            <a:r>
+              <a:rPr lang="en-US" altLang="ko-KR" sz="2000" dirty="0">
+                <a:solidFill>
+                  <a:schemeClr val="tx1"/>
+                </a:solidFill>
+              </a:rPr>
+              <a:t>0.9(</a:t>
+            </a:r>
+            <a:r>
+              <a:rPr lang="ko-KR" altLang="en-US" sz="2000" dirty="0">
+                <a:solidFill>
+                  <a:schemeClr val="tx1"/>
+                </a:solidFill>
+              </a:rPr>
+              <a:t>기준</a:t>
+            </a:r>
+            <a:r>
+              <a:rPr lang="en-US" altLang="ko-KR" sz="2000" dirty="0">
+                <a:solidFill>
+                  <a:schemeClr val="tx1"/>
+                </a:solidFill>
+              </a:rPr>
+              <a:t>X)</a:t>
+            </a:r>
+            <a:r>
+              <a:rPr lang="ko-KR" altLang="en-US" sz="2000" dirty="0">
+                <a:solidFill>
+                  <a:schemeClr val="tx1"/>
+                </a:solidFill>
+              </a:rPr>
+              <a:t>를 넘는다면 </a:t>
+            </a:r>
+            <a:r>
+              <a:rPr lang="ko-KR" altLang="en-US" sz="2000" dirty="0" err="1">
+                <a:solidFill>
+                  <a:schemeClr val="tx1"/>
+                </a:solidFill>
+              </a:rPr>
+              <a:t>다중공선성의</a:t>
+            </a:r>
+            <a:r>
+              <a:rPr lang="ko-KR" altLang="en-US" sz="2000" dirty="0">
+                <a:solidFill>
+                  <a:schemeClr val="tx1"/>
+                </a:solidFill>
+              </a:rPr>
+              <a:t> 문제가 있을 수 있다</a:t>
+            </a:r>
+            <a:r>
+              <a:rPr lang="en-US" altLang="ko-KR" sz="2000" dirty="0">
+                <a:solidFill>
+                  <a:schemeClr val="tx1"/>
+                </a:solidFill>
+              </a:rPr>
+              <a:t>.</a:t>
+            </a:r>
+          </a:p>
+          <a:p>
+            <a:pPr marL="457200" indent="-457200" algn="just">
+              <a:lnSpc>
+                <a:spcPct val="150000"/>
+              </a:lnSpc>
+              <a:buFont typeface="+mj-lt"/>
+              <a:buAutoNum type="arabicPeriod"/>
+            </a:pPr>
+            <a:r>
+              <a:rPr lang="ko-KR" altLang="en-US" sz="2000" b="1" dirty="0">
+                <a:solidFill>
+                  <a:schemeClr val="tx1"/>
+                </a:solidFill>
+              </a:rPr>
+              <a:t>허용</a:t>
+            </a:r>
+            <a:r>
+              <a:rPr lang="en-US" altLang="ko-KR" sz="2000" b="1" dirty="0">
+                <a:solidFill>
+                  <a:schemeClr val="tx1"/>
+                </a:solidFill>
+              </a:rPr>
+              <a:t>/</a:t>
+            </a:r>
+            <a:r>
+              <a:rPr lang="ko-KR" altLang="en-US" sz="2000" b="1" dirty="0">
+                <a:solidFill>
+                  <a:schemeClr val="tx1"/>
+                </a:solidFill>
+              </a:rPr>
+              <a:t>공차 </a:t>
+            </a:r>
+            <a:r>
+              <a:rPr lang="en-US" altLang="ko-KR" sz="2000" b="1" dirty="0">
+                <a:solidFill>
+                  <a:schemeClr val="tx1"/>
+                </a:solidFill>
+              </a:rPr>
+              <a:t>(tolerance)</a:t>
+            </a:r>
+            <a:r>
+              <a:rPr lang="ko-KR" altLang="en-US" sz="2000" b="1" dirty="0">
+                <a:solidFill>
+                  <a:schemeClr val="tx1"/>
+                </a:solidFill>
+              </a:rPr>
+              <a:t>를 확인</a:t>
+            </a:r>
+            <a:endParaRPr lang="en-US" altLang="ko-KR" sz="2000" b="1" dirty="0">
+              <a:solidFill>
+                <a:schemeClr val="tx1"/>
+              </a:solidFill>
+            </a:endParaRPr>
+          </a:p>
+          <a:p>
+            <a:pPr marL="457200" indent="-457200" algn="just">
+              <a:lnSpc>
+                <a:spcPct val="150000"/>
+              </a:lnSpc>
+              <a:buFont typeface="Arial" panose="020B0604020202020204" pitchFamily="34" charset="0"/>
+              <a:buChar char="•"/>
+            </a:pPr>
+            <a:r>
+              <a:rPr lang="ko-KR" altLang="en-US" sz="2000" dirty="0">
+                <a:solidFill>
+                  <a:schemeClr val="tx1"/>
+                </a:solidFill>
+              </a:rPr>
+              <a:t>한 개의 독립변수를 종속변수로 나머지 독립변수를 독립변수로 하는 회귀분석을 했을 때 나오는 </a:t>
+            </a:r>
+            <a:r>
+              <a:rPr lang="en-US" altLang="ko-KR" sz="2000" dirty="0">
+                <a:solidFill>
+                  <a:schemeClr val="tx1"/>
+                </a:solidFill>
+              </a:rPr>
+              <a:t>R^2</a:t>
+            </a:r>
+            <a:r>
+              <a:rPr lang="ko-KR" altLang="en-US" sz="2000" dirty="0">
+                <a:solidFill>
+                  <a:schemeClr val="tx1"/>
+                </a:solidFill>
+              </a:rPr>
+              <a:t>을 이용해 </a:t>
+            </a:r>
+            <a:r>
+              <a:rPr lang="en-US" altLang="ko-KR" sz="2000" dirty="0">
+                <a:solidFill>
+                  <a:schemeClr val="tx1"/>
+                </a:solidFill>
+              </a:rPr>
+              <a:t>(1 – R^2)</a:t>
+            </a:r>
+            <a:r>
+              <a:rPr lang="ko-KR" altLang="en-US" sz="2000" dirty="0">
+                <a:solidFill>
+                  <a:schemeClr val="tx1"/>
+                </a:solidFill>
+              </a:rPr>
+              <a:t>을 의미함</a:t>
+            </a:r>
+            <a:endParaRPr lang="en-US" altLang="ko-KR" sz="2000" dirty="0">
+              <a:solidFill>
+                <a:schemeClr val="tx1"/>
+              </a:solidFill>
+            </a:endParaRPr>
+          </a:p>
+          <a:p>
+            <a:pPr marL="457200" indent="-457200" algn="just">
+              <a:lnSpc>
+                <a:spcPct val="150000"/>
+              </a:lnSpc>
+              <a:buFont typeface="Arial" panose="020B0604020202020204" pitchFamily="34" charset="0"/>
+              <a:buChar char="•"/>
+            </a:pPr>
+            <a:r>
+              <a:rPr lang="en-US" altLang="ko-KR" sz="2000" dirty="0">
+                <a:solidFill>
+                  <a:schemeClr val="tx1"/>
+                </a:solidFill>
+              </a:rPr>
+              <a:t>Tolerance</a:t>
+            </a:r>
+            <a:r>
+              <a:rPr lang="ko-KR" altLang="en-US" sz="2000" dirty="0">
+                <a:solidFill>
+                  <a:schemeClr val="tx1"/>
+                </a:solidFill>
+              </a:rPr>
+              <a:t>가 </a:t>
+            </a:r>
+            <a:r>
+              <a:rPr lang="en-US" altLang="ko-KR" sz="2000" dirty="0">
+                <a:solidFill>
+                  <a:schemeClr val="tx1"/>
+                </a:solidFill>
+              </a:rPr>
+              <a:t>0</a:t>
+            </a:r>
+            <a:r>
+              <a:rPr lang="ko-KR" altLang="en-US" sz="2000" dirty="0">
+                <a:solidFill>
+                  <a:schemeClr val="tx1"/>
+                </a:solidFill>
+              </a:rPr>
+              <a:t>이면 완벽한 상관성을 의미하여 </a:t>
+            </a:r>
+            <a:r>
+              <a:rPr lang="ko-KR" altLang="en-US" sz="2000" dirty="0" err="1">
+                <a:solidFill>
+                  <a:schemeClr val="tx1"/>
+                </a:solidFill>
+              </a:rPr>
+              <a:t>다중공선성이</a:t>
+            </a:r>
+            <a:r>
+              <a:rPr lang="ko-KR" altLang="en-US" sz="2000" dirty="0">
+                <a:solidFill>
+                  <a:schemeClr val="tx1"/>
+                </a:solidFill>
+              </a:rPr>
+              <a:t> 심각함을 의미</a:t>
+            </a:r>
+            <a:endParaRPr lang="en-US" altLang="ko-KR" sz="2000" dirty="0">
+              <a:solidFill>
+                <a:schemeClr val="tx1"/>
+              </a:solidFill>
+            </a:endParaRPr>
+          </a:p>
+        </p:txBody>
+      </p:sp>
     </p:spTree>
     <p:extLst>
       <p:ext uri="{BB962C8B-B14F-4D97-AF65-F5344CB8AC3E}">
-        <p14:creationId xmlns:p14="http://schemas.microsoft.com/office/powerpoint/2010/main" val="2864706126"/>
+        <p14:creationId xmlns:p14="http://schemas.microsoft.com/office/powerpoint/2010/main" val="3639560424"/>
       </p:ext>
     </p:extLst>
   </p:cSld>
@@ -5350,40 +6360,342 @@
           </a:p>
         </p:txBody>
       </p:sp>
-      <p:pic>
-        <p:nvPicPr>
-          <p:cNvPr id="3" name="그림 2">
+      <p:sp>
+        <p:nvSpPr>
+          <p:cNvPr id="6" name="사각형: 둥근 모서리 5">
             <a:extLst>
               <a:ext uri="{FF2B5EF4-FFF2-40B4-BE49-F238E27FC236}">
-                <a16:creationId xmlns:a16="http://schemas.microsoft.com/office/drawing/2014/main" id="{8E88DB5E-73BA-48F6-BD0E-337B2F87C225}"/>
+                <a16:creationId xmlns:a16="http://schemas.microsoft.com/office/drawing/2014/main" id="{89E7CB6D-25D3-4296-9407-E98D578E67A6}"/>
               </a:ext>
             </a:extLst>
           </p:cNvPr>
-          <p:cNvPicPr>
-            <a:picLocks noChangeAspect="1"/>
-          </p:cNvPicPr>
+          <p:cNvSpPr/>
           <p:nvPr/>
-        </p:nvPicPr>
-        <p:blipFill>
-          <a:blip r:embed="rId3"/>
-          <a:stretch>
-            <a:fillRect/>
-          </a:stretch>
-        </p:blipFill>
+        </p:nvSpPr>
         <p:spPr>
           <a:xfrm>
-            <a:off x="0" y="1210514"/>
-            <a:ext cx="9906000" cy="4436971"/>
+            <a:off x="278116" y="1318550"/>
+            <a:ext cx="9349768" cy="4220899"/>
           </a:xfrm>
-          <a:prstGeom prst="rect">
+          <a:prstGeom prst="roundRect">
             <a:avLst/>
           </a:prstGeom>
+          <a:solidFill>
+            <a:schemeClr val="accent4">
+              <a:lumMod val="40000"/>
+              <a:lumOff val="60000"/>
+            </a:schemeClr>
+          </a:solidFill>
+          <a:ln>
+            <a:noFill/>
+          </a:ln>
         </p:spPr>
-      </p:pic>
+        <p:style>
+          <a:lnRef idx="2">
+            <a:schemeClr val="accent1">
+              <a:shade val="50000"/>
+            </a:schemeClr>
+          </a:lnRef>
+          <a:fillRef idx="1">
+            <a:schemeClr val="accent1"/>
+          </a:fillRef>
+          <a:effectRef idx="0">
+            <a:schemeClr val="accent1"/>
+          </a:effectRef>
+          <a:fontRef idx="minor">
+            <a:schemeClr val="lt1"/>
+          </a:fontRef>
+        </p:style>
+        <p:txBody>
+          <a:bodyPr rtlCol="0" anchor="ctr"/>
+          <a:lstStyle/>
+          <a:p>
+            <a:pPr marL="457200" indent="-457200" algn="just">
+              <a:lnSpc>
+                <a:spcPct val="150000"/>
+              </a:lnSpc>
+              <a:buFont typeface="+mj-lt"/>
+              <a:buAutoNum type="arabicPeriod" startAt="3"/>
+            </a:pPr>
+            <a:r>
+              <a:rPr lang="ko-KR" altLang="en-US" sz="2000" b="1" dirty="0" err="1">
+                <a:solidFill>
+                  <a:schemeClr val="tx1"/>
+                </a:solidFill>
+              </a:rPr>
+              <a:t>분산팽창지수</a:t>
+            </a:r>
+            <a:r>
+              <a:rPr lang="en-US" altLang="ko-KR" sz="2000" b="1" dirty="0">
+                <a:solidFill>
+                  <a:schemeClr val="tx1"/>
+                </a:solidFill>
+              </a:rPr>
+              <a:t>(VIF : Variance Inflation Factor)</a:t>
+            </a:r>
+          </a:p>
+          <a:p>
+            <a:pPr marL="342900" indent="-342900" algn="just">
+              <a:lnSpc>
+                <a:spcPct val="150000"/>
+              </a:lnSpc>
+              <a:buFont typeface="Arial" panose="020B0604020202020204" pitchFamily="34" charset="0"/>
+              <a:buChar char="•"/>
+            </a:pPr>
+            <a:r>
+              <a:rPr lang="en-US" altLang="ko-KR" sz="2000" dirty="0">
+                <a:solidFill>
+                  <a:schemeClr val="tx1"/>
+                </a:solidFill>
+              </a:rPr>
+              <a:t>VIF = 1 / tolerance = 1 / (1 – R^2)</a:t>
+            </a:r>
+          </a:p>
+          <a:p>
+            <a:pPr marL="342900" indent="-342900" algn="just">
+              <a:lnSpc>
+                <a:spcPct val="150000"/>
+              </a:lnSpc>
+              <a:buFont typeface="Arial" panose="020B0604020202020204" pitchFamily="34" charset="0"/>
+              <a:buChar char="•"/>
+            </a:pPr>
+            <a:r>
+              <a:rPr lang="en-US" altLang="ko-KR" sz="2000" dirty="0">
+                <a:solidFill>
+                  <a:schemeClr val="tx1"/>
+                </a:solidFill>
+              </a:rPr>
+              <a:t>VIF</a:t>
+            </a:r>
+            <a:r>
+              <a:rPr lang="ko-KR" altLang="en-US" sz="2000" dirty="0">
+                <a:solidFill>
+                  <a:schemeClr val="tx1"/>
+                </a:solidFill>
+              </a:rPr>
+              <a:t>가 크면 </a:t>
+            </a:r>
+            <a:r>
+              <a:rPr lang="ko-KR" altLang="en-US" sz="2000" dirty="0" err="1">
+                <a:solidFill>
+                  <a:schemeClr val="tx1"/>
+                </a:solidFill>
+              </a:rPr>
+              <a:t>다중공선성이</a:t>
+            </a:r>
+            <a:r>
+              <a:rPr lang="ko-KR" altLang="en-US" sz="2000" dirty="0">
+                <a:solidFill>
+                  <a:schemeClr val="tx1"/>
+                </a:solidFill>
+              </a:rPr>
+              <a:t> 크다</a:t>
+            </a:r>
+            <a:endParaRPr lang="en-US" altLang="ko-KR" sz="2000" dirty="0">
+              <a:solidFill>
+                <a:schemeClr val="tx1"/>
+              </a:solidFill>
+            </a:endParaRPr>
+          </a:p>
+          <a:p>
+            <a:pPr marL="342900" indent="-342900" algn="just">
+              <a:lnSpc>
+                <a:spcPct val="150000"/>
+              </a:lnSpc>
+              <a:buFont typeface="Arial" panose="020B0604020202020204" pitchFamily="34" charset="0"/>
+              <a:buChar char="•"/>
+            </a:pPr>
+            <a:r>
+              <a:rPr lang="ko-KR" altLang="en-US" sz="2000" dirty="0" err="1">
+                <a:solidFill>
+                  <a:schemeClr val="tx1"/>
+                </a:solidFill>
+              </a:rPr>
+              <a:t>연속형변수</a:t>
+            </a:r>
+            <a:r>
+              <a:rPr lang="ko-KR" altLang="en-US" sz="2000" dirty="0">
+                <a:solidFill>
+                  <a:schemeClr val="tx1"/>
+                </a:solidFill>
+              </a:rPr>
+              <a:t> </a:t>
+            </a:r>
+            <a:r>
+              <a:rPr lang="en-US" altLang="ko-KR" sz="2000" dirty="0">
+                <a:solidFill>
+                  <a:schemeClr val="tx1"/>
+                </a:solidFill>
+              </a:rPr>
+              <a:t>-&gt; 10</a:t>
+            </a:r>
+            <a:r>
+              <a:rPr lang="ko-KR" altLang="en-US" sz="2000" dirty="0">
+                <a:solidFill>
+                  <a:schemeClr val="tx1"/>
+                </a:solidFill>
+              </a:rPr>
+              <a:t>보다 크면 문제가 있다고 판단</a:t>
+            </a:r>
+            <a:endParaRPr lang="en-US" altLang="ko-KR" sz="2000" dirty="0">
+              <a:solidFill>
+                <a:schemeClr val="tx1"/>
+              </a:solidFill>
+            </a:endParaRPr>
+          </a:p>
+          <a:p>
+            <a:pPr marL="342900" indent="-342900" algn="just">
+              <a:lnSpc>
+                <a:spcPct val="150000"/>
+              </a:lnSpc>
+              <a:buFont typeface="Arial" panose="020B0604020202020204" pitchFamily="34" charset="0"/>
+              <a:buChar char="•"/>
+            </a:pPr>
+            <a:r>
+              <a:rPr lang="ko-KR" altLang="en-US" sz="2000" dirty="0">
+                <a:solidFill>
+                  <a:schemeClr val="tx1"/>
+                </a:solidFill>
+              </a:rPr>
+              <a:t>더미변수 </a:t>
+            </a:r>
+            <a:r>
+              <a:rPr lang="en-US" altLang="ko-KR" sz="2000" dirty="0">
+                <a:solidFill>
+                  <a:schemeClr val="tx1"/>
+                </a:solidFill>
+              </a:rPr>
+              <a:t>-&gt; 3</a:t>
+            </a:r>
+            <a:r>
+              <a:rPr lang="ko-KR" altLang="en-US" sz="2000" dirty="0">
+                <a:solidFill>
+                  <a:schemeClr val="tx1"/>
+                </a:solidFill>
+              </a:rPr>
+              <a:t>이상이면 </a:t>
+            </a:r>
+            <a:r>
+              <a:rPr lang="ko-KR" altLang="en-US" sz="2000" dirty="0" err="1">
+                <a:solidFill>
+                  <a:schemeClr val="tx1"/>
+                </a:solidFill>
+              </a:rPr>
+              <a:t>다중공선성</a:t>
+            </a:r>
+            <a:r>
+              <a:rPr lang="ko-KR" altLang="en-US" sz="2000" dirty="0">
+                <a:solidFill>
+                  <a:schemeClr val="tx1"/>
+                </a:solidFill>
+              </a:rPr>
+              <a:t> 의심</a:t>
+            </a:r>
+            <a:endParaRPr lang="en-US" altLang="ko-KR" sz="2000" dirty="0">
+              <a:solidFill>
+                <a:schemeClr val="tx1"/>
+              </a:solidFill>
+            </a:endParaRPr>
+          </a:p>
+          <a:p>
+            <a:pPr marL="457200" indent="-457200" algn="just">
+              <a:lnSpc>
+                <a:spcPct val="150000"/>
+              </a:lnSpc>
+              <a:buFont typeface="+mj-lt"/>
+              <a:buAutoNum type="arabicPeriod" startAt="4"/>
+            </a:pPr>
+            <a:r>
+              <a:rPr lang="ko-KR" altLang="en-US" sz="2000" b="1" dirty="0">
+                <a:solidFill>
+                  <a:schemeClr val="tx1"/>
+                </a:solidFill>
+              </a:rPr>
+              <a:t>상태지수</a:t>
+            </a:r>
+            <a:r>
+              <a:rPr lang="en-US" altLang="ko-KR" sz="2000" b="1" dirty="0">
+                <a:solidFill>
+                  <a:schemeClr val="tx1"/>
+                </a:solidFill>
+              </a:rPr>
+              <a:t>(Condition Index)</a:t>
+            </a:r>
+          </a:p>
+          <a:p>
+            <a:pPr marL="342900" indent="-342900" algn="just">
+              <a:lnSpc>
+                <a:spcPct val="150000"/>
+              </a:lnSpc>
+              <a:buFont typeface="Arial" panose="020B0604020202020204" pitchFamily="34" charset="0"/>
+              <a:buChar char="•"/>
+            </a:pPr>
+            <a:r>
+              <a:rPr lang="ko-KR" altLang="en-US" sz="2000" dirty="0">
+                <a:solidFill>
+                  <a:schemeClr val="tx1"/>
+                </a:solidFill>
+              </a:rPr>
+              <a:t>흔하게 사용되지 않음</a:t>
+            </a:r>
+            <a:endParaRPr lang="en-US" altLang="ko-KR" sz="2000" dirty="0">
+              <a:solidFill>
+                <a:schemeClr val="tx1"/>
+              </a:solidFill>
+            </a:endParaRPr>
+          </a:p>
+          <a:p>
+            <a:pPr marL="342900" indent="-342900" algn="just">
+              <a:lnSpc>
+                <a:spcPct val="150000"/>
+              </a:lnSpc>
+              <a:buFont typeface="Arial" panose="020B0604020202020204" pitchFamily="34" charset="0"/>
+              <a:buChar char="•"/>
+            </a:pPr>
+            <a:r>
+              <a:rPr lang="en-US" altLang="ko-KR" sz="2000" dirty="0">
+                <a:solidFill>
+                  <a:schemeClr val="tx1"/>
+                </a:solidFill>
+              </a:rPr>
+              <a:t>100 </a:t>
+            </a:r>
+            <a:r>
+              <a:rPr lang="ko-KR" altLang="en-US" sz="2000" dirty="0">
+                <a:solidFill>
+                  <a:schemeClr val="tx1"/>
+                </a:solidFill>
+              </a:rPr>
+              <a:t>이상이면 심각한 </a:t>
+            </a:r>
+            <a:r>
+              <a:rPr lang="ko-KR" altLang="en-US" sz="2000" dirty="0" err="1">
+                <a:solidFill>
+                  <a:schemeClr val="tx1"/>
+                </a:solidFill>
+              </a:rPr>
+              <a:t>다중공선성이</a:t>
+            </a:r>
+            <a:r>
+              <a:rPr lang="ko-KR" altLang="en-US" sz="2000" dirty="0">
+                <a:solidFill>
+                  <a:schemeClr val="tx1"/>
+                </a:solidFill>
+              </a:rPr>
+              <a:t> 존재</a:t>
+            </a:r>
+            <a:endParaRPr lang="en-US" altLang="ko-KR" sz="2000" dirty="0">
+              <a:solidFill>
+                <a:schemeClr val="tx1"/>
+              </a:solidFill>
+            </a:endParaRPr>
+          </a:p>
+        </p:txBody>
+      </p:sp>
     </p:spTree>
     <p:extLst>
       <p:ext uri="{BB962C8B-B14F-4D97-AF65-F5344CB8AC3E}">
-        <p14:creationId xmlns:p14="http://schemas.microsoft.com/office/powerpoint/2010/main" val="3772649811"/>
+        <p14:creationId xmlns:p14="http://schemas.microsoft.com/office/powerpoint/2010/main" val="3176544005"/>
       </p:ext>
     </p:extLst>
   </p:cSld>
@@ -5522,40 +6834,291 @@
           </a:p>
         </p:txBody>
       </p:sp>
-      <p:pic>
-        <p:nvPicPr>
-          <p:cNvPr id="4" name="그림 3">
+      <p:sp>
+        <p:nvSpPr>
+          <p:cNvPr id="5" name="사각형: 둥근 모서리 4">
             <a:extLst>
               <a:ext uri="{FF2B5EF4-FFF2-40B4-BE49-F238E27FC236}">
-                <a16:creationId xmlns:a16="http://schemas.microsoft.com/office/drawing/2014/main" id="{715E74FB-10DB-4CFE-9BB2-9CCDBE0DE5FE}"/>
+                <a16:creationId xmlns:a16="http://schemas.microsoft.com/office/drawing/2014/main" id="{A4128C2F-6314-4C7C-A71F-93672E3FB4BA}"/>
               </a:ext>
             </a:extLst>
           </p:cNvPr>
-          <p:cNvPicPr>
-            <a:picLocks noChangeAspect="1"/>
-          </p:cNvPicPr>
+          <p:cNvSpPr/>
           <p:nvPr/>
-        </p:nvPicPr>
-        <p:blipFill>
-          <a:blip r:embed="rId3"/>
-          <a:stretch>
-            <a:fillRect/>
-          </a:stretch>
-        </p:blipFill>
+        </p:nvSpPr>
         <p:spPr>
           <a:xfrm>
-            <a:off x="0" y="1310764"/>
-            <a:ext cx="9906000" cy="4236472"/>
+            <a:off x="278116" y="1318550"/>
+            <a:ext cx="9349768" cy="4220899"/>
           </a:xfrm>
-          <a:prstGeom prst="rect">
+          <a:prstGeom prst="roundRect">
             <a:avLst/>
           </a:prstGeom>
+          <a:solidFill>
+            <a:schemeClr val="accent4">
+              <a:lumMod val="40000"/>
+              <a:lumOff val="60000"/>
+            </a:schemeClr>
+          </a:solidFill>
+          <a:ln>
+            <a:noFill/>
+          </a:ln>
         </p:spPr>
-      </p:pic>
+        <p:style>
+          <a:lnRef idx="2">
+            <a:schemeClr val="accent1">
+              <a:shade val="50000"/>
+            </a:schemeClr>
+          </a:lnRef>
+          <a:fillRef idx="1">
+            <a:schemeClr val="accent1"/>
+          </a:fillRef>
+          <a:effectRef idx="0">
+            <a:schemeClr val="accent1"/>
+          </a:effectRef>
+          <a:fontRef idx="minor">
+            <a:schemeClr val="lt1"/>
+          </a:fontRef>
+        </p:style>
+        <p:txBody>
+          <a:bodyPr rtlCol="0" anchor="ctr"/>
+          <a:lstStyle/>
+          <a:p>
+            <a:pPr algn="just">
+              <a:lnSpc>
+                <a:spcPct val="150000"/>
+              </a:lnSpc>
+            </a:pPr>
+            <a:r>
+              <a:rPr lang="ko-KR" altLang="en-US" sz="2400" b="1" dirty="0" err="1">
+                <a:solidFill>
+                  <a:schemeClr val="tx1"/>
+                </a:solidFill>
+              </a:rPr>
+              <a:t>다중공선성이</a:t>
+            </a:r>
+            <a:r>
+              <a:rPr lang="ko-KR" altLang="en-US" sz="2400" b="1" dirty="0">
+                <a:solidFill>
+                  <a:schemeClr val="tx1"/>
+                </a:solidFill>
+              </a:rPr>
+              <a:t> 발생하면 어떻게 해결해야 하나</a:t>
+            </a:r>
+            <a:r>
+              <a:rPr lang="en-US" altLang="ko-KR" sz="2400" b="1" dirty="0">
+                <a:solidFill>
+                  <a:schemeClr val="tx1"/>
+                </a:solidFill>
+              </a:rPr>
+              <a:t>?</a:t>
+            </a:r>
+          </a:p>
+          <a:p>
+            <a:pPr marL="457200" indent="-457200" algn="just">
+              <a:lnSpc>
+                <a:spcPct val="150000"/>
+              </a:lnSpc>
+              <a:buAutoNum type="arabicPeriod"/>
+            </a:pPr>
+            <a:r>
+              <a:rPr lang="ko-KR" altLang="en-US" sz="2000" b="1" dirty="0" err="1">
+                <a:solidFill>
+                  <a:schemeClr val="tx1"/>
+                </a:solidFill>
+              </a:rPr>
+              <a:t>다중공선성이</a:t>
+            </a:r>
+            <a:r>
+              <a:rPr lang="ko-KR" altLang="en-US" sz="2000" b="1" dirty="0">
+                <a:solidFill>
+                  <a:schemeClr val="tx1"/>
+                </a:solidFill>
+              </a:rPr>
+              <a:t> 큰 변수가 유의한지 아닌지 확인해야함</a:t>
+            </a:r>
+            <a:endParaRPr lang="en-US" altLang="ko-KR" sz="2000" b="1" dirty="0">
+              <a:solidFill>
+                <a:schemeClr val="tx1"/>
+              </a:solidFill>
+            </a:endParaRPr>
+          </a:p>
+          <a:p>
+            <a:pPr marL="342900" indent="-342900" algn="just">
+              <a:lnSpc>
+                <a:spcPct val="150000"/>
+              </a:lnSpc>
+              <a:buFont typeface="Arial" panose="020B0604020202020204" pitchFamily="34" charset="0"/>
+              <a:buChar char="•"/>
+            </a:pPr>
+            <a:r>
+              <a:rPr lang="ko-KR" altLang="en-US" sz="2000" dirty="0" err="1">
+                <a:solidFill>
+                  <a:schemeClr val="tx1"/>
+                </a:solidFill>
+              </a:rPr>
+              <a:t>다중공선성이</a:t>
+            </a:r>
+            <a:r>
+              <a:rPr lang="ko-KR" altLang="en-US" sz="2000" dirty="0">
+                <a:solidFill>
+                  <a:schemeClr val="tx1"/>
+                </a:solidFill>
+              </a:rPr>
+              <a:t> 있음에도 해당 독립변수가 </a:t>
+            </a:r>
+            <a:r>
+              <a:rPr lang="ko-KR" altLang="en-US" sz="2000" dirty="0" err="1">
+                <a:solidFill>
+                  <a:schemeClr val="tx1"/>
+                </a:solidFill>
+              </a:rPr>
+              <a:t>유의하다면</a:t>
+            </a:r>
+            <a:endParaRPr lang="en-US" altLang="ko-KR" sz="2000" dirty="0">
+              <a:solidFill>
+                <a:schemeClr val="tx1"/>
+              </a:solidFill>
+            </a:endParaRPr>
+          </a:p>
+          <a:p>
+            <a:pPr algn="just">
+              <a:lnSpc>
+                <a:spcPct val="150000"/>
+              </a:lnSpc>
+            </a:pPr>
+            <a:r>
+              <a:rPr lang="en-US" altLang="ko-KR" sz="2000" dirty="0">
+                <a:solidFill>
+                  <a:schemeClr val="tx1"/>
+                </a:solidFill>
+              </a:rPr>
+              <a:t>	</a:t>
+            </a:r>
+            <a:r>
+              <a:rPr lang="ko-KR" altLang="en-US" sz="2000" dirty="0">
+                <a:solidFill>
+                  <a:schemeClr val="tx1"/>
+                </a:solidFill>
+              </a:rPr>
+              <a:t>표준오차가 비정상적으로 팽창되었음에도 유의하다는 의미</a:t>
+            </a:r>
+            <a:endParaRPr lang="en-US" altLang="ko-KR" sz="2000" dirty="0">
+              <a:solidFill>
+                <a:schemeClr val="tx1"/>
+              </a:solidFill>
+            </a:endParaRPr>
+          </a:p>
+          <a:p>
+            <a:pPr algn="just">
+              <a:lnSpc>
+                <a:spcPct val="150000"/>
+              </a:lnSpc>
+            </a:pPr>
+            <a:r>
+              <a:rPr lang="en-US" altLang="ko-KR" sz="2000" dirty="0">
+                <a:solidFill>
+                  <a:schemeClr val="tx1"/>
+                </a:solidFill>
+              </a:rPr>
+              <a:t>	100% </a:t>
+            </a:r>
+            <a:r>
+              <a:rPr lang="ko-KR" altLang="en-US" sz="2000" dirty="0">
+                <a:solidFill>
+                  <a:schemeClr val="tx1"/>
+                </a:solidFill>
+              </a:rPr>
+              <a:t>완벽한 </a:t>
+            </a:r>
+            <a:r>
+              <a:rPr lang="ko-KR" altLang="en-US" sz="2000" dirty="0" err="1">
+                <a:solidFill>
+                  <a:schemeClr val="tx1"/>
+                </a:solidFill>
+              </a:rPr>
+              <a:t>다중공선성이</a:t>
+            </a:r>
+            <a:r>
+              <a:rPr lang="ko-KR" altLang="en-US" sz="2000" dirty="0">
+                <a:solidFill>
+                  <a:schemeClr val="tx1"/>
+                </a:solidFill>
+              </a:rPr>
+              <a:t> 아닌 한 문제가 크게 되지 않음</a:t>
+            </a:r>
+            <a:endParaRPr lang="en-US" altLang="ko-KR" sz="2000" dirty="0">
+              <a:solidFill>
+                <a:schemeClr val="tx1"/>
+              </a:solidFill>
+            </a:endParaRPr>
+          </a:p>
+          <a:p>
+            <a:pPr marL="342900" indent="-342900" algn="just">
+              <a:lnSpc>
+                <a:spcPct val="150000"/>
+              </a:lnSpc>
+              <a:buFont typeface="Arial" panose="020B0604020202020204" pitchFamily="34" charset="0"/>
+              <a:buChar char="•"/>
+            </a:pPr>
+            <a:r>
+              <a:rPr lang="ko-KR" altLang="en-US" sz="2000" dirty="0">
+                <a:solidFill>
+                  <a:schemeClr val="tx1"/>
+                </a:solidFill>
+              </a:rPr>
+              <a:t>조절효과를 확인하기 위해 교호작용 변수를 추가하는 경우 연구자가 의도적으로 넣음으로써 어는 정도 </a:t>
+            </a:r>
+            <a:r>
+              <a:rPr lang="ko-KR" altLang="en-US" sz="2000" dirty="0" err="1">
+                <a:solidFill>
+                  <a:schemeClr val="tx1"/>
+                </a:solidFill>
+              </a:rPr>
+              <a:t>다중공선성을</a:t>
+            </a:r>
+            <a:r>
+              <a:rPr lang="ko-KR" altLang="en-US" sz="2000" dirty="0">
+                <a:solidFill>
+                  <a:schemeClr val="tx1"/>
+                </a:solidFill>
+              </a:rPr>
+              <a:t> 피할 수 없음</a:t>
+            </a:r>
+            <a:endParaRPr lang="en-US" altLang="ko-KR" sz="2000" dirty="0">
+              <a:solidFill>
+                <a:schemeClr val="tx1"/>
+              </a:solidFill>
+            </a:endParaRPr>
+          </a:p>
+          <a:p>
+            <a:pPr marL="342900" indent="-342900" algn="just">
+              <a:lnSpc>
+                <a:spcPct val="150000"/>
+              </a:lnSpc>
+              <a:buFont typeface="Arial" panose="020B0604020202020204" pitchFamily="34" charset="0"/>
+              <a:buChar char="•"/>
+            </a:pPr>
+            <a:r>
+              <a:rPr lang="ko-KR" altLang="en-US" sz="2000" dirty="0">
+                <a:solidFill>
+                  <a:schemeClr val="tx1"/>
+                </a:solidFill>
+              </a:rPr>
+              <a:t>연구자의 의도와 변수의 유의성에 따라 결정해야 함</a:t>
+            </a:r>
+            <a:endParaRPr lang="en-US" altLang="ko-KR" sz="2000" dirty="0">
+              <a:solidFill>
+                <a:schemeClr val="tx1"/>
+              </a:solidFill>
+            </a:endParaRPr>
+          </a:p>
+        </p:txBody>
+      </p:sp>
     </p:spTree>
     <p:extLst>
       <p:ext uri="{BB962C8B-B14F-4D97-AF65-F5344CB8AC3E}">
-        <p14:creationId xmlns:p14="http://schemas.microsoft.com/office/powerpoint/2010/main" val="2687126526"/>
+        <p14:creationId xmlns:p14="http://schemas.microsoft.com/office/powerpoint/2010/main" val="2864706126"/>
       </p:ext>
     </p:extLst>
   </p:cSld>
@@ -5694,40 +7257,603 @@
           </a:p>
         </p:txBody>
       </p:sp>
-      <p:pic>
-        <p:nvPicPr>
-          <p:cNvPr id="2" name="그림 1">
+      <p:sp>
+        <p:nvSpPr>
+          <p:cNvPr id="5" name="사각형: 둥근 모서리 4">
             <a:extLst>
               <a:ext uri="{FF2B5EF4-FFF2-40B4-BE49-F238E27FC236}">
-                <a16:creationId xmlns:a16="http://schemas.microsoft.com/office/drawing/2014/main" id="{3612248B-E457-4B6D-9E46-D59391040AA5}"/>
+                <a16:creationId xmlns:a16="http://schemas.microsoft.com/office/drawing/2014/main" id="{0522B2C9-E215-4D22-A1AA-95AFBD651514}"/>
               </a:ext>
             </a:extLst>
           </p:cNvPr>
-          <p:cNvPicPr>
-            <a:picLocks noChangeAspect="1"/>
-          </p:cNvPicPr>
+          <p:cNvSpPr/>
           <p:nvPr/>
-        </p:nvPicPr>
-        <p:blipFill>
-          <a:blip r:embed="rId3"/>
-          <a:stretch>
-            <a:fillRect/>
-          </a:stretch>
-        </p:blipFill>
+        </p:nvSpPr>
         <p:spPr>
           <a:xfrm>
-            <a:off x="0" y="1209648"/>
-            <a:ext cx="9906000" cy="4438704"/>
+            <a:off x="278116" y="1318550"/>
+            <a:ext cx="9349768" cy="4220899"/>
+          </a:xfrm>
+          <a:prstGeom prst="roundRect">
+            <a:avLst/>
+          </a:prstGeom>
+          <a:solidFill>
+            <a:schemeClr val="accent4">
+              <a:lumMod val="40000"/>
+              <a:lumOff val="60000"/>
+            </a:schemeClr>
+          </a:solidFill>
+          <a:ln>
+            <a:noFill/>
+          </a:ln>
+        </p:spPr>
+        <p:style>
+          <a:lnRef idx="2">
+            <a:schemeClr val="accent1">
+              <a:shade val="50000"/>
+            </a:schemeClr>
+          </a:lnRef>
+          <a:fillRef idx="1">
+            <a:schemeClr val="accent1"/>
+          </a:fillRef>
+          <a:effectRef idx="0">
+            <a:schemeClr val="accent1"/>
+          </a:effectRef>
+          <a:fontRef idx="minor">
+            <a:schemeClr val="lt1"/>
+          </a:fontRef>
+        </p:style>
+        <p:txBody>
+          <a:bodyPr rtlCol="0" anchor="ctr"/>
+          <a:lstStyle/>
+          <a:p>
+            <a:pPr marL="457200" indent="-457200" algn="just">
+              <a:lnSpc>
+                <a:spcPct val="150000"/>
+              </a:lnSpc>
+              <a:buFont typeface="+mj-lt"/>
+              <a:buAutoNum type="arabicPeriod" startAt="2"/>
+            </a:pPr>
+            <a:r>
+              <a:rPr lang="ko-KR" altLang="en-US" sz="2000" b="1" dirty="0">
+                <a:solidFill>
+                  <a:schemeClr val="tx1"/>
+                </a:solidFill>
+              </a:rPr>
+              <a:t>해당 변수를 제거</a:t>
+            </a:r>
+            <a:endParaRPr lang="en-US" altLang="ko-KR" sz="2000" b="1" dirty="0">
+              <a:solidFill>
+                <a:schemeClr val="tx1"/>
+              </a:solidFill>
+            </a:endParaRPr>
+          </a:p>
+          <a:p>
+            <a:pPr marL="342900" indent="-342900" algn="just">
+              <a:lnSpc>
+                <a:spcPct val="150000"/>
+              </a:lnSpc>
+              <a:buFont typeface="Arial" panose="020B0604020202020204" pitchFamily="34" charset="0"/>
+              <a:buChar char="•"/>
+            </a:pPr>
+            <a:r>
+              <a:rPr lang="ko-KR" altLang="en-US" sz="2000" dirty="0">
+                <a:solidFill>
+                  <a:schemeClr val="tx1"/>
+                </a:solidFill>
+              </a:rPr>
+              <a:t>가장 일반적인 방법</a:t>
+            </a:r>
+            <a:endParaRPr lang="en-US" altLang="ko-KR" sz="2000" dirty="0">
+              <a:solidFill>
+                <a:schemeClr val="tx1"/>
+              </a:solidFill>
+            </a:endParaRPr>
+          </a:p>
+          <a:p>
+            <a:pPr marL="342900" indent="-342900" algn="just">
+              <a:lnSpc>
+                <a:spcPct val="150000"/>
+              </a:lnSpc>
+              <a:buFont typeface="Arial" panose="020B0604020202020204" pitchFamily="34" charset="0"/>
+              <a:buChar char="•"/>
+            </a:pPr>
+            <a:r>
+              <a:rPr lang="ko-KR" altLang="en-US" sz="2000" dirty="0">
+                <a:solidFill>
+                  <a:schemeClr val="tx1"/>
+                </a:solidFill>
+              </a:rPr>
+              <a:t>중요변수일 경우 문제가 됨</a:t>
+            </a:r>
+            <a:endParaRPr lang="en-US" altLang="ko-KR" sz="2000" dirty="0">
+              <a:solidFill>
+                <a:schemeClr val="tx1"/>
+              </a:solidFill>
+            </a:endParaRPr>
+          </a:p>
+          <a:p>
+            <a:pPr marL="342900" indent="-342900" algn="just">
+              <a:lnSpc>
+                <a:spcPct val="150000"/>
+              </a:lnSpc>
+              <a:buFont typeface="Arial" panose="020B0604020202020204" pitchFamily="34" charset="0"/>
+              <a:buChar char="•"/>
+            </a:pPr>
+            <a:r>
+              <a:rPr lang="ko-KR" altLang="en-US" sz="2000" dirty="0">
+                <a:solidFill>
+                  <a:schemeClr val="tx1"/>
+                </a:solidFill>
+              </a:rPr>
+              <a:t>근본적 원인은 기존연구 및 이론</a:t>
+            </a:r>
+            <a:r>
+              <a:rPr lang="en-US" altLang="ko-KR" sz="2000" dirty="0">
+                <a:solidFill>
+                  <a:schemeClr val="tx1"/>
+                </a:solidFill>
+              </a:rPr>
+              <a:t>/</a:t>
+            </a:r>
+            <a:r>
+              <a:rPr lang="ko-KR" altLang="en-US" sz="2000" dirty="0">
+                <a:solidFill>
+                  <a:schemeClr val="tx1"/>
+                </a:solidFill>
+              </a:rPr>
+              <a:t>논리적 구성이 사전에 부족했기 때문</a:t>
+            </a:r>
+            <a:endParaRPr lang="en-US" altLang="ko-KR" sz="2000" dirty="0">
+              <a:solidFill>
+                <a:schemeClr val="tx1"/>
+              </a:solidFill>
+            </a:endParaRPr>
+          </a:p>
+          <a:p>
+            <a:pPr marL="457200" indent="-457200" algn="just">
+              <a:lnSpc>
+                <a:spcPct val="150000"/>
+              </a:lnSpc>
+              <a:buFont typeface="+mj-lt"/>
+              <a:buAutoNum type="arabicPeriod" startAt="3"/>
+            </a:pPr>
+            <a:r>
+              <a:rPr lang="ko-KR" altLang="en-US" sz="2000" b="1" dirty="0">
+                <a:solidFill>
+                  <a:schemeClr val="tx1"/>
+                </a:solidFill>
+              </a:rPr>
+              <a:t>주성분분석으로 변수를 재조합</a:t>
+            </a:r>
+            <a:endParaRPr lang="en-US" altLang="ko-KR" sz="2000" b="1" dirty="0">
+              <a:solidFill>
+                <a:schemeClr val="tx1"/>
+              </a:solidFill>
+            </a:endParaRPr>
+          </a:p>
+          <a:p>
+            <a:pPr marL="457200" indent="-457200" algn="just">
+              <a:lnSpc>
+                <a:spcPct val="150000"/>
+              </a:lnSpc>
+              <a:buFont typeface="Arial" panose="020B0604020202020204" pitchFamily="34" charset="0"/>
+              <a:buChar char="•"/>
+            </a:pPr>
+            <a:r>
+              <a:rPr lang="ko-KR" altLang="en-US" sz="2000" dirty="0">
+                <a:solidFill>
+                  <a:schemeClr val="tx1"/>
+                </a:solidFill>
+              </a:rPr>
+              <a:t>겹치는 분산을 제거하는 효과가 있음</a:t>
+            </a:r>
+            <a:endParaRPr lang="en-US" altLang="ko-KR" sz="2000" dirty="0">
+              <a:solidFill>
+                <a:schemeClr val="tx1"/>
+              </a:solidFill>
+            </a:endParaRPr>
+          </a:p>
+          <a:p>
+            <a:pPr marL="457200" indent="-457200" algn="just">
+              <a:lnSpc>
+                <a:spcPct val="150000"/>
+              </a:lnSpc>
+              <a:buFont typeface="Arial" panose="020B0604020202020204" pitchFamily="34" charset="0"/>
+              <a:buChar char="•"/>
+            </a:pPr>
+            <a:r>
+              <a:rPr lang="ko-KR" altLang="en-US" sz="2000" dirty="0" err="1">
+                <a:solidFill>
+                  <a:schemeClr val="tx1"/>
+                </a:solidFill>
+              </a:rPr>
+              <a:t>제조합된</a:t>
+            </a:r>
+            <a:r>
+              <a:rPr lang="ko-KR" altLang="en-US" sz="2000" dirty="0">
+                <a:solidFill>
+                  <a:schemeClr val="tx1"/>
+                </a:solidFill>
+              </a:rPr>
+              <a:t> 변수들이 이상한 결과를 내는 경우가 있음</a:t>
+            </a:r>
+            <a:endParaRPr lang="en-US" altLang="ko-KR" sz="2000" dirty="0">
+              <a:solidFill>
+                <a:schemeClr val="tx1"/>
+              </a:solidFill>
+            </a:endParaRPr>
+          </a:p>
+        </p:txBody>
+      </p:sp>
+    </p:spTree>
+    <p:extLst>
+      <p:ext uri="{BB962C8B-B14F-4D97-AF65-F5344CB8AC3E}">
+        <p14:creationId xmlns:p14="http://schemas.microsoft.com/office/powerpoint/2010/main" val="3772649811"/>
+      </p:ext>
+    </p:extLst>
+  </p:cSld>
+  <p:clrMapOvr>
+    <a:masterClrMapping/>
+  </p:clrMapOvr>
+</p:sld>
+</file>
+
+<file path=ppt/slides/slide7.xml><?xml version="1.0" encoding="utf-8"?>
+<p:sld xmlns:a="http://schemas.openxmlformats.org/drawingml/2006/main" xmlns:r="http://schemas.openxmlformats.org/officeDocument/2006/relationships" xmlns:p="http://schemas.openxmlformats.org/presentationml/2006/main">
+  <p:cSld>
+    <p:spTree>
+      <p:nvGrpSpPr>
+        <p:cNvPr id="1" name="Shape 28"/>
+        <p:cNvGrpSpPr/>
+        <p:nvPr/>
+      </p:nvGrpSpPr>
+      <p:grpSpPr>
+        <a:xfrm>
+          <a:off x="0" y="0"/>
+          <a:ext cx="0" cy="0"/>
+          <a:chOff x="0" y="0"/>
+          <a:chExt cx="0" cy="0"/>
+        </a:xfrm>
+      </p:grpSpPr>
+      <p:sp>
+        <p:nvSpPr>
+          <p:cNvPr id="29" name="Google Shape;29;p2"/>
+          <p:cNvSpPr txBox="1"/>
+          <p:nvPr/>
+        </p:nvSpPr>
+        <p:spPr>
+          <a:xfrm>
+            <a:off x="9253406" y="200997"/>
+            <a:ext cx="530727" cy="296664"/>
           </a:xfrm>
           <a:prstGeom prst="rect">
             <a:avLst/>
           </a:prstGeom>
+          <a:noFill/>
+          <a:ln>
+            <a:noFill/>
+          </a:ln>
         </p:spPr>
-      </p:pic>
+        <p:txBody>
+          <a:bodyPr spcFirstLastPara="1" wrap="square" lIns="74275" tIns="37125" rIns="74275" bIns="37125" anchor="ctr" anchorCtr="0">
+            <a:noAutofit/>
+          </a:bodyPr>
+          <a:lstStyle/>
+          <a:p>
+            <a:pPr marL="0" marR="0" lvl="0" indent="0" algn="r" rtl="0">
+              <a:spcBef>
+                <a:spcPts val="0"/>
+              </a:spcBef>
+              <a:spcAft>
+                <a:spcPts val="0"/>
+              </a:spcAft>
+              <a:buNone/>
+            </a:pPr>
+            <a:fld id="{00000000-1234-1234-1234-123412341234}" type="slidenum">
+              <a:rPr lang="en-US" altLang="ko-KR" sz="1300" b="1" u="none">
+                <a:solidFill>
+                  <a:srgbClr val="7F7F7F"/>
+                </a:solidFill>
+                <a:latin typeface="Arial"/>
+                <a:ea typeface="Arial"/>
+                <a:cs typeface="Arial"/>
+                <a:sym typeface="Arial"/>
+              </a:rPr>
+              <a:t>7</a:t>
+            </a:fld>
+            <a:endParaRPr sz="1300" b="1" u="none">
+              <a:solidFill>
+                <a:srgbClr val="7F7F7F"/>
+              </a:solidFill>
+              <a:latin typeface="Arial"/>
+              <a:ea typeface="Arial"/>
+              <a:cs typeface="Arial"/>
+              <a:sym typeface="Arial"/>
+            </a:endParaRPr>
+          </a:p>
+        </p:txBody>
+      </p:sp>
+      <p:sp>
+        <p:nvSpPr>
+          <p:cNvPr id="30" name="Google Shape;30;p2"/>
+          <p:cNvSpPr txBox="1"/>
+          <p:nvPr/>
+        </p:nvSpPr>
+        <p:spPr>
+          <a:xfrm>
+            <a:off x="278116" y="156948"/>
+            <a:ext cx="8910300" cy="831000"/>
+          </a:xfrm>
+          <a:prstGeom prst="rect">
+            <a:avLst/>
+          </a:prstGeom>
+          <a:noFill/>
+          <a:ln>
+            <a:noFill/>
+          </a:ln>
+        </p:spPr>
+        <p:txBody>
+          <a:bodyPr spcFirstLastPara="1" wrap="square" lIns="91425" tIns="45700" rIns="91425" bIns="45700" anchor="t" anchorCtr="0">
+            <a:noAutofit/>
+          </a:bodyPr>
+          <a:lstStyle/>
+          <a:p>
+            <a:pPr marL="0" marR="0" lvl="0" indent="0" algn="ctr" rtl="0">
+              <a:spcBef>
+                <a:spcPts val="0"/>
+              </a:spcBef>
+              <a:spcAft>
+                <a:spcPts val="0"/>
+              </a:spcAft>
+              <a:buNone/>
+            </a:pPr>
+            <a:r>
+              <a:rPr lang="ko-KR" sz="1800" dirty="0">
+                <a:solidFill>
+                  <a:schemeClr val="dk1"/>
+                </a:solidFill>
+              </a:rPr>
+              <a:t>데이터 과학을 위한 통계  - 발표자: </a:t>
+            </a:r>
+            <a:r>
+              <a:rPr lang="ko-KR" altLang="en-US" sz="1800" dirty="0">
+                <a:solidFill>
+                  <a:schemeClr val="dk1"/>
+                </a:solidFill>
+              </a:rPr>
+              <a:t>김동현</a:t>
+            </a:r>
+            <a:endParaRPr sz="1800" dirty="0"/>
+          </a:p>
+        </p:txBody>
+      </p:sp>
+      <p:sp>
+        <p:nvSpPr>
+          <p:cNvPr id="5" name="사각형: 둥근 모서리 4">
+            <a:extLst>
+              <a:ext uri="{FF2B5EF4-FFF2-40B4-BE49-F238E27FC236}">
+                <a16:creationId xmlns:a16="http://schemas.microsoft.com/office/drawing/2014/main" id="{16C88C32-D113-41B0-A863-4157EC544242}"/>
+              </a:ext>
+            </a:extLst>
+          </p:cNvPr>
+          <p:cNvSpPr/>
+          <p:nvPr/>
+        </p:nvSpPr>
+        <p:spPr>
+          <a:xfrm>
+            <a:off x="278116" y="1753780"/>
+            <a:ext cx="9349768" cy="3616705"/>
+          </a:xfrm>
+          <a:prstGeom prst="roundRect">
+            <a:avLst/>
+          </a:prstGeom>
+          <a:solidFill>
+            <a:schemeClr val="accent4">
+              <a:lumMod val="40000"/>
+              <a:lumOff val="60000"/>
+            </a:schemeClr>
+          </a:solidFill>
+          <a:ln>
+            <a:noFill/>
+          </a:ln>
+        </p:spPr>
+        <p:style>
+          <a:lnRef idx="2">
+            <a:schemeClr val="accent1">
+              <a:shade val="50000"/>
+            </a:schemeClr>
+          </a:lnRef>
+          <a:fillRef idx="1">
+            <a:schemeClr val="accent1"/>
+          </a:fillRef>
+          <a:effectRef idx="0">
+            <a:schemeClr val="accent1"/>
+          </a:effectRef>
+          <a:fontRef idx="minor">
+            <a:schemeClr val="lt1"/>
+          </a:fontRef>
+        </p:style>
+        <p:txBody>
+          <a:bodyPr rtlCol="0" anchor="ctr"/>
+          <a:lstStyle/>
+          <a:p>
+            <a:pPr marL="457200" indent="-457200" algn="just">
+              <a:lnSpc>
+                <a:spcPct val="150000"/>
+              </a:lnSpc>
+              <a:buFont typeface="+mj-lt"/>
+              <a:buAutoNum type="arabicPeriod" startAt="4"/>
+            </a:pPr>
+            <a:r>
+              <a:rPr lang="ko-KR" altLang="en-US" sz="2000" b="1" dirty="0" err="1">
+                <a:solidFill>
+                  <a:schemeClr val="tx1"/>
+                </a:solidFill>
+              </a:rPr>
+              <a:t>다중공선성이</a:t>
+            </a:r>
+            <a:r>
+              <a:rPr lang="ko-KR" altLang="en-US" sz="2000" b="1" dirty="0">
+                <a:solidFill>
+                  <a:schemeClr val="tx1"/>
+                </a:solidFill>
+              </a:rPr>
+              <a:t> 발생한 독립변수들을 합친다</a:t>
+            </a:r>
+            <a:r>
+              <a:rPr lang="en-US" altLang="ko-KR" sz="2000" b="1" dirty="0">
+                <a:solidFill>
+                  <a:schemeClr val="tx1"/>
+                </a:solidFill>
+              </a:rPr>
+              <a:t>.</a:t>
+            </a:r>
+          </a:p>
+          <a:p>
+            <a:pPr marL="457200" indent="-457200" algn="just">
+              <a:lnSpc>
+                <a:spcPct val="150000"/>
+              </a:lnSpc>
+              <a:buFont typeface="Arial" panose="020B0604020202020204" pitchFamily="34" charset="0"/>
+              <a:buChar char="•"/>
+            </a:pPr>
+            <a:r>
+              <a:rPr lang="ko-KR" altLang="en-US" sz="2000" dirty="0">
+                <a:solidFill>
+                  <a:schemeClr val="tx1"/>
+                </a:solidFill>
+              </a:rPr>
+              <a:t>하나로 합쳐서 회귀분석에 사용할 수 있음</a:t>
+            </a:r>
+            <a:endParaRPr lang="en-US" altLang="ko-KR" sz="2000" dirty="0">
+              <a:solidFill>
+                <a:schemeClr val="tx1"/>
+              </a:solidFill>
+            </a:endParaRPr>
+          </a:p>
+          <a:p>
+            <a:pPr marL="457200" indent="-457200" algn="just">
+              <a:lnSpc>
+                <a:spcPct val="150000"/>
+              </a:lnSpc>
+              <a:buFont typeface="Arial" panose="020B0604020202020204" pitchFamily="34" charset="0"/>
+              <a:buChar char="•"/>
+            </a:pPr>
+            <a:r>
+              <a:rPr lang="ko-KR" altLang="en-US" sz="2000" dirty="0">
+                <a:solidFill>
+                  <a:schemeClr val="tx1"/>
+                </a:solidFill>
+              </a:rPr>
+              <a:t>유의하다 해도 해석이 </a:t>
+            </a:r>
+            <a:r>
+              <a:rPr lang="ko-KR" altLang="en-US" sz="2000" dirty="0" err="1">
+                <a:solidFill>
+                  <a:schemeClr val="tx1"/>
+                </a:solidFill>
+              </a:rPr>
+              <a:t>어려워짐</a:t>
+            </a:r>
+            <a:endParaRPr lang="en-US" altLang="ko-KR" sz="2000" dirty="0">
+              <a:solidFill>
+                <a:schemeClr val="tx1"/>
+              </a:solidFill>
+            </a:endParaRPr>
+          </a:p>
+          <a:p>
+            <a:pPr marL="457200" indent="-457200" algn="just">
+              <a:lnSpc>
+                <a:spcPct val="150000"/>
+              </a:lnSpc>
+              <a:buFont typeface="Arial" panose="020B0604020202020204" pitchFamily="34" charset="0"/>
+              <a:buChar char="•"/>
+            </a:pPr>
+            <a:r>
+              <a:rPr lang="ko-KR" altLang="en-US" sz="2000" dirty="0">
+                <a:solidFill>
+                  <a:schemeClr val="tx1"/>
+                </a:solidFill>
+              </a:rPr>
+              <a:t>평균값을 가장 많이 사용하나 이것도 완벽하지 않음</a:t>
+            </a:r>
+            <a:endParaRPr lang="en-US" altLang="ko-KR" sz="2000" dirty="0">
+              <a:solidFill>
+                <a:schemeClr val="tx1"/>
+              </a:solidFill>
+            </a:endParaRPr>
+          </a:p>
+          <a:p>
+            <a:pPr marL="457200" indent="-457200" algn="just">
+              <a:lnSpc>
+                <a:spcPct val="150000"/>
+              </a:lnSpc>
+              <a:buFont typeface="+mj-lt"/>
+              <a:buAutoNum type="arabicPeriod" startAt="5"/>
+            </a:pPr>
+            <a:r>
+              <a:rPr lang="ko-KR" altLang="en-US" sz="2000" b="1" dirty="0">
+                <a:solidFill>
+                  <a:schemeClr val="tx1"/>
+                </a:solidFill>
+              </a:rPr>
+              <a:t>능형 회귀분석</a:t>
+            </a:r>
+            <a:endParaRPr lang="en-US" altLang="ko-KR" sz="2000" b="1" dirty="0">
+              <a:solidFill>
+                <a:schemeClr val="tx1"/>
+              </a:solidFill>
+            </a:endParaRPr>
+          </a:p>
+          <a:p>
+            <a:pPr marL="457200" indent="-457200" algn="just">
+              <a:lnSpc>
+                <a:spcPct val="150000"/>
+              </a:lnSpc>
+              <a:buFont typeface="+mj-lt"/>
+              <a:buAutoNum type="arabicPeriod" startAt="5"/>
+            </a:pPr>
+            <a:r>
+              <a:rPr lang="en-US" altLang="ko-KR" sz="2000" b="1" dirty="0">
+                <a:solidFill>
+                  <a:schemeClr val="tx1"/>
+                </a:solidFill>
+              </a:rPr>
+              <a:t>Mean centering </a:t>
+            </a:r>
+            <a:r>
+              <a:rPr lang="ko-KR" altLang="en-US" sz="2000" b="1" dirty="0">
+                <a:solidFill>
+                  <a:schemeClr val="tx1"/>
+                </a:solidFill>
+              </a:rPr>
+              <a:t>방법</a:t>
+            </a:r>
+            <a:endParaRPr lang="en-US" altLang="ko-KR" sz="2000" b="1" dirty="0">
+              <a:solidFill>
+                <a:schemeClr val="tx1"/>
+              </a:solidFill>
+            </a:endParaRPr>
+          </a:p>
+          <a:p>
+            <a:pPr algn="just">
+              <a:lnSpc>
+                <a:spcPct val="150000"/>
+              </a:lnSpc>
+            </a:pPr>
+            <a:endParaRPr lang="en-US" altLang="ko-KR" sz="2000" dirty="0">
+              <a:solidFill>
+                <a:schemeClr val="tx1"/>
+              </a:solidFill>
+            </a:endParaRPr>
+          </a:p>
+        </p:txBody>
+      </p:sp>
     </p:spTree>
     <p:extLst>
       <p:ext uri="{BB962C8B-B14F-4D97-AF65-F5344CB8AC3E}">
-        <p14:creationId xmlns:p14="http://schemas.microsoft.com/office/powerpoint/2010/main" val="1054501410"/>
+        <p14:creationId xmlns:p14="http://schemas.microsoft.com/office/powerpoint/2010/main" val="2687126526"/>
       </p:ext>
     </p:extLst>
   </p:cSld>

--- a/study/ppt/[스터디]4.5.2다중공선성_KDH.pptx
+++ b/study/ppt/[스터디]4.5.2다중공선성_KDH.pptx
@@ -5,7 +5,7 @@
     <p:sldMasterId id="2147483648" r:id="rId1"/>
   </p:sldMasterIdLst>
   <p:notesMasterIdLst>
-    <p:notesMasterId r:id="rId9"/>
+    <p:notesMasterId r:id="rId10"/>
   </p:notesMasterIdLst>
   <p:sldIdLst>
     <p:sldId id="258" r:id="rId2"/>
@@ -15,6 +15,7 @@
     <p:sldId id="260" r:id="rId6"/>
     <p:sldId id="261" r:id="rId7"/>
     <p:sldId id="262" r:id="rId8"/>
+    <p:sldId id="266" r:id="rId9"/>
   </p:sldIdLst>
   <p:sldSz cx="9906000" cy="6858000" type="A4"/>
   <p:notesSz cx="6858000" cy="9144000"/>
@@ -313,7 +314,7 @@
       </p15:sldGuideLst>
     </p:ext>
     <p:ext uri="http://customooxmlschemas.google.com/">
-      <go:slidesCustomData xmlns="" xmlns:mc="http://schemas.openxmlformats.org/markup-compatibility/2006" xmlns:mv="urn:schemas-microsoft-com:mac:vml" xmlns:c="http://schemas.openxmlformats.org/drawingml/2006/chart" xmlns:dgm="http://schemas.openxmlformats.org/drawingml/2006/diagram" xmlns:o="urn:schemas-microsoft-com:office:office" xmlns:v="urn:schemas-microsoft-com:vml" xmlns:pvml="urn:schemas-microsoft-com:office:powerpoint" xmlns:com="http://schemas.openxmlformats.org/drawingml/2006/compatibility" xmlns:p14="http://schemas.microsoft.com/office/powerpoint/2010/main" xmlns:p15="http://schemas.microsoft.com/office/powerpoint/2012/main" xmlns:go="http://customooxmlschemas.google.com/" r:id="rId11" roundtripDataSignature="AMtx7mhva3UHPhQA4WbyUQCroSE+7w+SGg=="/>
+      <go:slidesCustomData xmlns:go="http://customooxmlschemas.google.com/" xmlns:p15="http://schemas.microsoft.com/office/powerpoint/2012/main" xmlns:p14="http://schemas.microsoft.com/office/powerpoint/2010/main" xmlns:com="http://schemas.openxmlformats.org/drawingml/2006/compatibility" xmlns:pvml="urn:schemas-microsoft-com:office:powerpoint" xmlns:v="urn:schemas-microsoft-com:vml" xmlns:o="urn:schemas-microsoft-com:office:office" xmlns:dgm="http://schemas.openxmlformats.org/drawingml/2006/diagram" xmlns:c="http://schemas.openxmlformats.org/drawingml/2006/chart" xmlns:mv="urn:schemas-microsoft-com:mac:vml" xmlns:mc="http://schemas.openxmlformats.org/markup-compatibility/2006" xmlns="" r:id="rId11" roundtripDataSignature="AMtx7mhva3UHPhQA4WbyUQCroSE+7w+SGg=="/>
     </p:ext>
   </p:extLst>
 </p:presentation>
@@ -2879,6 +2880,187 @@
     <p:extLst>
       <p:ext uri="{BB962C8B-B14F-4D97-AF65-F5344CB8AC3E}">
         <p14:creationId xmlns:p14="http://schemas.microsoft.com/office/powerpoint/2010/main" val="2279305368"/>
+      </p:ext>
+    </p:extLst>
+  </p:cSld>
+  <p:clrMapOvr>
+    <a:masterClrMapping/>
+  </p:clrMapOvr>
+</p:notes>
+</file>
+
+<file path=ppt/notesSlides/notesSlide8.xml><?xml version="1.0" encoding="utf-8"?>
+<p:notes xmlns:a="http://schemas.openxmlformats.org/drawingml/2006/main" xmlns:r="http://schemas.openxmlformats.org/officeDocument/2006/relationships" xmlns:p="http://schemas.openxmlformats.org/presentationml/2006/main" showMasterSp="0" showMasterPhAnim="0">
+  <p:cSld>
+    <p:spTree>
+      <p:nvGrpSpPr>
+        <p:cNvPr id="1" name="Shape 24"/>
+        <p:cNvGrpSpPr/>
+        <p:nvPr/>
+      </p:nvGrpSpPr>
+      <p:grpSpPr>
+        <a:xfrm>
+          <a:off x="0" y="0"/>
+          <a:ext cx="0" cy="0"/>
+          <a:chOff x="0" y="0"/>
+          <a:chExt cx="0" cy="0"/>
+        </a:xfrm>
+      </p:grpSpPr>
+      <p:sp>
+        <p:nvSpPr>
+          <p:cNvPr id="25" name="Google Shape;25;p2:notes"/>
+          <p:cNvSpPr>
+            <a:spLocks noGrp="1" noRot="1" noChangeAspect="1"/>
+          </p:cNvSpPr>
+          <p:nvPr>
+            <p:ph type="sldImg" idx="2"/>
+          </p:nvPr>
+        </p:nvSpPr>
+        <p:spPr>
+          <a:xfrm>
+            <a:off x="1200150" y="1143000"/>
+            <a:ext cx="4457700" cy="3086100"/>
+          </a:xfrm>
+          <a:custGeom>
+            <a:avLst/>
+            <a:gdLst/>
+            <a:ahLst/>
+            <a:cxnLst/>
+            <a:rect l="l" t="t" r="r" b="b"/>
+            <a:pathLst>
+              <a:path w="120000" h="120000" extrusionOk="0">
+                <a:moveTo>
+                  <a:pt x="0" y="0"/>
+                </a:moveTo>
+                <a:lnTo>
+                  <a:pt x="120000" y="0"/>
+                </a:lnTo>
+                <a:lnTo>
+                  <a:pt x="120000" y="120000"/>
+                </a:lnTo>
+                <a:lnTo>
+                  <a:pt x="0" y="120000"/>
+                </a:lnTo>
+                <a:close/>
+              </a:path>
+            </a:pathLst>
+          </a:custGeom>
+          <a:noFill/>
+          <a:ln w="12700" cap="flat" cmpd="sng">
+            <a:solidFill>
+              <a:srgbClr val="000000"/>
+            </a:solidFill>
+            <a:prstDash val="solid"/>
+            <a:round/>
+            <a:headEnd type="none" w="sm" len="sm"/>
+            <a:tailEnd type="none" w="sm" len="sm"/>
+          </a:ln>
+        </p:spPr>
+      </p:sp>
+      <p:sp>
+        <p:nvSpPr>
+          <p:cNvPr id="26" name="Google Shape;26;p2:notes"/>
+          <p:cNvSpPr txBox="1">
+            <a:spLocks noGrp="1"/>
+          </p:cNvSpPr>
+          <p:nvPr>
+            <p:ph type="body" idx="1"/>
+          </p:nvPr>
+        </p:nvSpPr>
+        <p:spPr>
+          <a:xfrm>
+            <a:off x="685800" y="4400550"/>
+            <a:ext cx="5486400" cy="3600450"/>
+          </a:xfrm>
+          <a:prstGeom prst="rect">
+            <a:avLst/>
+          </a:prstGeom>
+          <a:noFill/>
+          <a:ln>
+            <a:noFill/>
+          </a:ln>
+        </p:spPr>
+        <p:txBody>
+          <a:bodyPr spcFirstLastPara="1" wrap="square" lIns="91425" tIns="45700" rIns="91425" bIns="45700" anchor="t" anchorCtr="0">
+            <a:noAutofit/>
+          </a:bodyPr>
+          <a:lstStyle/>
+          <a:p>
+            <a:pPr marL="0" lvl="0" indent="0" algn="l" rtl="0">
+              <a:lnSpc>
+                <a:spcPct val="100000"/>
+              </a:lnSpc>
+              <a:spcBef>
+                <a:spcPts val="0"/>
+              </a:spcBef>
+              <a:spcAft>
+                <a:spcPts val="0"/>
+              </a:spcAft>
+              <a:buClr>
+                <a:schemeClr val="dk1"/>
+              </a:buClr>
+              <a:buSzPts val="1200"/>
+              <a:buFont typeface="Noto Sans Symbols"/>
+              <a:buNone/>
+            </a:pPr>
+            <a:endParaRPr u="none" dirty="0">
+              <a:highlight>
+                <a:srgbClr val="FFFF00"/>
+              </a:highlight>
+            </a:endParaRPr>
+          </a:p>
+        </p:txBody>
+      </p:sp>
+      <p:sp>
+        <p:nvSpPr>
+          <p:cNvPr id="27" name="Google Shape;27;p2:notes"/>
+          <p:cNvSpPr txBox="1">
+            <a:spLocks noGrp="1"/>
+          </p:cNvSpPr>
+          <p:nvPr>
+            <p:ph type="sldNum" idx="12"/>
+          </p:nvPr>
+        </p:nvSpPr>
+        <p:spPr>
+          <a:xfrm>
+            <a:off x="3884613" y="8685213"/>
+            <a:ext cx="2971800" cy="458787"/>
+          </a:xfrm>
+          <a:prstGeom prst="rect">
+            <a:avLst/>
+          </a:prstGeom>
+          <a:noFill/>
+          <a:ln>
+            <a:noFill/>
+          </a:ln>
+        </p:spPr>
+        <p:txBody>
+          <a:bodyPr spcFirstLastPara="1" wrap="square" lIns="91425" tIns="45700" rIns="91425" bIns="45700" anchor="b" anchorCtr="0">
+            <a:noAutofit/>
+          </a:bodyPr>
+          <a:lstStyle/>
+          <a:p>
+            <a:pPr marL="0" lvl="0" indent="0" algn="r" rtl="0">
+              <a:spcBef>
+                <a:spcPts val="0"/>
+              </a:spcBef>
+              <a:spcAft>
+                <a:spcPts val="0"/>
+              </a:spcAft>
+              <a:buNone/>
+            </a:pPr>
+            <a:fld id="{00000000-1234-1234-1234-123412341234}" type="slidenum">
+              <a:rPr lang="en-US" altLang="ko-KR"/>
+              <a:t>8</a:t>
+            </a:fld>
+            <a:endParaRPr/>
+          </a:p>
+        </p:txBody>
+      </p:sp>
+    </p:spTree>
+    <p:extLst>
+      <p:ext uri="{BB962C8B-B14F-4D97-AF65-F5344CB8AC3E}">
+        <p14:creationId xmlns:p14="http://schemas.microsoft.com/office/powerpoint/2010/main" val="260882399"/>
       </p:ext>
     </p:extLst>
   </p:cSld>
@@ -7863,6 +8045,238 @@
 </p:sld>
 </file>
 
+<file path=ppt/slides/slide8.xml><?xml version="1.0" encoding="utf-8"?>
+<p:sld xmlns:a="http://schemas.openxmlformats.org/drawingml/2006/main" xmlns:r="http://schemas.openxmlformats.org/officeDocument/2006/relationships" xmlns:p="http://schemas.openxmlformats.org/presentationml/2006/main">
+  <p:cSld>
+    <p:spTree>
+      <p:nvGrpSpPr>
+        <p:cNvPr id="1" name="Shape 28"/>
+        <p:cNvGrpSpPr/>
+        <p:nvPr/>
+      </p:nvGrpSpPr>
+      <p:grpSpPr>
+        <a:xfrm>
+          <a:off x="0" y="0"/>
+          <a:ext cx="0" cy="0"/>
+          <a:chOff x="0" y="0"/>
+          <a:chExt cx="0" cy="0"/>
+        </a:xfrm>
+      </p:grpSpPr>
+      <p:sp>
+        <p:nvSpPr>
+          <p:cNvPr id="29" name="Google Shape;29;p2"/>
+          <p:cNvSpPr txBox="1"/>
+          <p:nvPr/>
+        </p:nvSpPr>
+        <p:spPr>
+          <a:xfrm>
+            <a:off x="9253406" y="200997"/>
+            <a:ext cx="530727" cy="296664"/>
+          </a:xfrm>
+          <a:prstGeom prst="rect">
+            <a:avLst/>
+          </a:prstGeom>
+          <a:noFill/>
+          <a:ln>
+            <a:noFill/>
+          </a:ln>
+        </p:spPr>
+        <p:txBody>
+          <a:bodyPr spcFirstLastPara="1" wrap="square" lIns="74275" tIns="37125" rIns="74275" bIns="37125" anchor="ctr" anchorCtr="0">
+            <a:noAutofit/>
+          </a:bodyPr>
+          <a:lstStyle/>
+          <a:p>
+            <a:pPr marL="0" marR="0" lvl="0" indent="0" algn="r" rtl="0">
+              <a:spcBef>
+                <a:spcPts val="0"/>
+              </a:spcBef>
+              <a:spcAft>
+                <a:spcPts val="0"/>
+              </a:spcAft>
+              <a:buNone/>
+            </a:pPr>
+            <a:fld id="{00000000-1234-1234-1234-123412341234}" type="slidenum">
+              <a:rPr lang="en-US" altLang="ko-KR" sz="1300" b="1" u="none">
+                <a:solidFill>
+                  <a:srgbClr val="7F7F7F"/>
+                </a:solidFill>
+                <a:latin typeface="Arial"/>
+                <a:ea typeface="Arial"/>
+                <a:cs typeface="Arial"/>
+                <a:sym typeface="Arial"/>
+              </a:rPr>
+              <a:t>8</a:t>
+            </a:fld>
+            <a:endParaRPr sz="1300" b="1" u="none">
+              <a:solidFill>
+                <a:srgbClr val="7F7F7F"/>
+              </a:solidFill>
+              <a:latin typeface="Arial"/>
+              <a:ea typeface="Arial"/>
+              <a:cs typeface="Arial"/>
+              <a:sym typeface="Arial"/>
+            </a:endParaRPr>
+          </a:p>
+        </p:txBody>
+      </p:sp>
+      <p:sp>
+        <p:nvSpPr>
+          <p:cNvPr id="30" name="Google Shape;30;p2"/>
+          <p:cNvSpPr txBox="1"/>
+          <p:nvPr/>
+        </p:nvSpPr>
+        <p:spPr>
+          <a:xfrm>
+            <a:off x="278116" y="156948"/>
+            <a:ext cx="8910300" cy="831000"/>
+          </a:xfrm>
+          <a:prstGeom prst="rect">
+            <a:avLst/>
+          </a:prstGeom>
+          <a:noFill/>
+          <a:ln>
+            <a:noFill/>
+          </a:ln>
+        </p:spPr>
+        <p:txBody>
+          <a:bodyPr spcFirstLastPara="1" wrap="square" lIns="91425" tIns="45700" rIns="91425" bIns="45700" anchor="t" anchorCtr="0">
+            <a:noAutofit/>
+          </a:bodyPr>
+          <a:lstStyle/>
+          <a:p>
+            <a:pPr marL="0" marR="0" lvl="0" indent="0" algn="ctr" rtl="0">
+              <a:spcBef>
+                <a:spcPts val="0"/>
+              </a:spcBef>
+              <a:spcAft>
+                <a:spcPts val="0"/>
+              </a:spcAft>
+              <a:buNone/>
+            </a:pPr>
+            <a:r>
+              <a:rPr lang="ko-KR" sz="1800" dirty="0">
+                <a:solidFill>
+                  <a:schemeClr val="dk1"/>
+                </a:solidFill>
+              </a:rPr>
+              <a:t>데이터 과학을 위한 통계  - 발표자: </a:t>
+            </a:r>
+            <a:r>
+              <a:rPr lang="ko-KR" altLang="en-US" sz="1800" dirty="0">
+                <a:solidFill>
+                  <a:schemeClr val="dk1"/>
+                </a:solidFill>
+              </a:rPr>
+              <a:t>김동현</a:t>
+            </a:r>
+            <a:endParaRPr sz="1800" dirty="0"/>
+          </a:p>
+        </p:txBody>
+      </p:sp>
+      <p:pic>
+        <p:nvPicPr>
+          <p:cNvPr id="2" name="그림 1">
+            <a:extLst>
+              <a:ext uri="{FF2B5EF4-FFF2-40B4-BE49-F238E27FC236}">
+                <a16:creationId xmlns:a16="http://schemas.microsoft.com/office/drawing/2014/main" id="{E3F422E6-B1E1-497C-8B26-6193C54839B4}"/>
+              </a:ext>
+            </a:extLst>
+          </p:cNvPr>
+          <p:cNvPicPr>
+            <a:picLocks noChangeAspect="1"/>
+          </p:cNvPicPr>
+          <p:nvPr/>
+        </p:nvPicPr>
+        <p:blipFill>
+          <a:blip r:embed="rId3"/>
+          <a:stretch>
+            <a:fillRect/>
+          </a:stretch>
+        </p:blipFill>
+        <p:spPr>
+          <a:xfrm>
+            <a:off x="15161" y="905302"/>
+            <a:ext cx="5965847" cy="1094171"/>
+          </a:xfrm>
+          <a:prstGeom prst="rect">
+            <a:avLst/>
+          </a:prstGeom>
+        </p:spPr>
+      </p:pic>
+      <p:pic>
+        <p:nvPicPr>
+          <p:cNvPr id="3" name="그림 2">
+            <a:extLst>
+              <a:ext uri="{FF2B5EF4-FFF2-40B4-BE49-F238E27FC236}">
+                <a16:creationId xmlns:a16="http://schemas.microsoft.com/office/drawing/2014/main" id="{D8595314-5A00-47A9-8C0C-2A7E0FFFE056}"/>
+              </a:ext>
+            </a:extLst>
+          </p:cNvPr>
+          <p:cNvPicPr>
+            <a:picLocks noChangeAspect="1"/>
+          </p:cNvPicPr>
+          <p:nvPr/>
+        </p:nvPicPr>
+        <p:blipFill>
+          <a:blip r:embed="rId4"/>
+          <a:stretch>
+            <a:fillRect/>
+          </a:stretch>
+        </p:blipFill>
+        <p:spPr>
+          <a:xfrm>
+            <a:off x="85705" y="2590405"/>
+            <a:ext cx="6087714" cy="1094171"/>
+          </a:xfrm>
+          <a:prstGeom prst="rect">
+            <a:avLst/>
+          </a:prstGeom>
+        </p:spPr>
+      </p:pic>
+      <p:pic>
+        <p:nvPicPr>
+          <p:cNvPr id="4" name="그림 3">
+            <a:extLst>
+              <a:ext uri="{FF2B5EF4-FFF2-40B4-BE49-F238E27FC236}">
+                <a16:creationId xmlns:a16="http://schemas.microsoft.com/office/drawing/2014/main" id="{E3D12920-1246-4B31-8B4E-94FE948C6F03}"/>
+              </a:ext>
+            </a:extLst>
+          </p:cNvPr>
+          <p:cNvPicPr>
+            <a:picLocks noChangeAspect="1"/>
+          </p:cNvPicPr>
+          <p:nvPr/>
+        </p:nvPicPr>
+        <p:blipFill>
+          <a:blip r:embed="rId5"/>
+          <a:stretch>
+            <a:fillRect/>
+          </a:stretch>
+        </p:blipFill>
+        <p:spPr>
+          <a:xfrm>
+            <a:off x="5981008" y="608582"/>
+            <a:ext cx="3803125" cy="6048422"/>
+          </a:xfrm>
+          <a:prstGeom prst="rect">
+            <a:avLst/>
+          </a:prstGeom>
+        </p:spPr>
+      </p:pic>
+    </p:spTree>
+    <p:extLst>
+      <p:ext uri="{BB962C8B-B14F-4D97-AF65-F5344CB8AC3E}">
+        <p14:creationId xmlns:p14="http://schemas.microsoft.com/office/powerpoint/2010/main" val="3386663387"/>
+      </p:ext>
+    </p:extLst>
+  </p:cSld>
+  <p:clrMapOvr>
+    <a:masterClrMapping/>
+  </p:clrMapOvr>
+</p:sld>
+</file>
+
 <file path=ppt/theme/theme1.xml><?xml version="1.0" encoding="utf-8"?>
 <a:theme xmlns:a="http://schemas.openxmlformats.org/drawingml/2006/main" name="Office 테마">
   <a:themeElements>
